--- a/template.pptx
+++ b/template.pptx
@@ -208,7 +208,7 @@
           <a:p>
             <a:fld id="{9E89C4A8-DC1C-4AFC-9260-E953FDC4CEF3}" type="datetimeFigureOut">
               <a:rPr lang="ko-KR" altLang="en-US" smtClean="0"/>
-              <a:t>2023. 10. 16.</a:t>
+              <a:t>2023. 10. 17.</a:t>
             </a:fld>
             <a:endParaRPr lang="ko-KR" altLang="en-US"/>
           </a:p>
@@ -690,7 +690,7 @@
           <a:p>
             <a:fld id="{0A438C46-0BF0-AF42-9FD7-651246E16C9E}" type="datetimeFigureOut">
               <a:rPr kumimoji="1" lang="ko-KR" altLang="en-US" smtClean="0"/>
-              <a:t>2023. 10. 16.</a:t>
+              <a:t>2023. 10. 17.</a:t>
             </a:fld>
             <a:endParaRPr kumimoji="1" lang="ko-KR" altLang="en-US"/>
           </a:p>
@@ -855,7 +855,7 @@
           <a:p>
             <a:fld id="{0A438C46-0BF0-AF42-9FD7-651246E16C9E}" type="datetimeFigureOut">
               <a:rPr kumimoji="1" lang="ko-KR" altLang="en-US" smtClean="0"/>
-              <a:t>2023. 10. 16.</a:t>
+              <a:t>2023. 10. 17.</a:t>
             </a:fld>
             <a:endParaRPr kumimoji="1" lang="ko-KR" altLang="en-US"/>
           </a:p>
@@ -1030,7 +1030,7 @@
           <a:p>
             <a:fld id="{0A438C46-0BF0-AF42-9FD7-651246E16C9E}" type="datetimeFigureOut">
               <a:rPr kumimoji="1" lang="ko-KR" altLang="en-US" smtClean="0"/>
-              <a:t>2023. 10. 16.</a:t>
+              <a:t>2023. 10. 17.</a:t>
             </a:fld>
             <a:endParaRPr kumimoji="1" lang="ko-KR" altLang="en-US"/>
           </a:p>
@@ -1195,7 +1195,7 @@
           <a:p>
             <a:fld id="{0A438C46-0BF0-AF42-9FD7-651246E16C9E}" type="datetimeFigureOut">
               <a:rPr kumimoji="1" lang="ko-KR" altLang="en-US" smtClean="0"/>
-              <a:t>2023. 10. 16.</a:t>
+              <a:t>2023. 10. 17.</a:t>
             </a:fld>
             <a:endParaRPr kumimoji="1" lang="ko-KR" altLang="en-US"/>
           </a:p>
@@ -1434,7 +1434,7 @@
           <a:p>
             <a:fld id="{0A438C46-0BF0-AF42-9FD7-651246E16C9E}" type="datetimeFigureOut">
               <a:rPr kumimoji="1" lang="ko-KR" altLang="en-US" smtClean="0"/>
-              <a:t>2023. 10. 16.</a:t>
+              <a:t>2023. 10. 17.</a:t>
             </a:fld>
             <a:endParaRPr kumimoji="1" lang="ko-KR" altLang="en-US"/>
           </a:p>
@@ -1661,7 +1661,7 @@
           <a:p>
             <a:fld id="{0A438C46-0BF0-AF42-9FD7-651246E16C9E}" type="datetimeFigureOut">
               <a:rPr kumimoji="1" lang="ko-KR" altLang="en-US" smtClean="0"/>
-              <a:t>2023. 10. 16.</a:t>
+              <a:t>2023. 10. 17.</a:t>
             </a:fld>
             <a:endParaRPr kumimoji="1" lang="ko-KR" altLang="en-US"/>
           </a:p>
@@ -2023,7 +2023,7 @@
           <a:p>
             <a:fld id="{0A438C46-0BF0-AF42-9FD7-651246E16C9E}" type="datetimeFigureOut">
               <a:rPr kumimoji="1" lang="ko-KR" altLang="en-US" smtClean="0"/>
-              <a:t>2023. 10. 16.</a:t>
+              <a:t>2023. 10. 17.</a:t>
             </a:fld>
             <a:endParaRPr kumimoji="1" lang="ko-KR" altLang="en-US"/>
           </a:p>
@@ -2136,7 +2136,7 @@
           <a:p>
             <a:fld id="{0A438C46-0BF0-AF42-9FD7-651246E16C9E}" type="datetimeFigureOut">
               <a:rPr kumimoji="1" lang="ko-KR" altLang="en-US" smtClean="0"/>
-              <a:t>2023. 10. 16.</a:t>
+              <a:t>2023. 10. 17.</a:t>
             </a:fld>
             <a:endParaRPr kumimoji="1" lang="ko-KR" altLang="en-US"/>
           </a:p>
@@ -2226,7 +2226,7 @@
           <a:p>
             <a:fld id="{0A438C46-0BF0-AF42-9FD7-651246E16C9E}" type="datetimeFigureOut">
               <a:rPr kumimoji="1" lang="ko-KR" altLang="en-US" smtClean="0"/>
-              <a:t>2023. 10. 16.</a:t>
+              <a:t>2023. 10. 17.</a:t>
             </a:fld>
             <a:endParaRPr kumimoji="1" lang="ko-KR" altLang="en-US"/>
           </a:p>
@@ -2498,7 +2498,7 @@
           <a:p>
             <a:fld id="{0A438C46-0BF0-AF42-9FD7-651246E16C9E}" type="datetimeFigureOut">
               <a:rPr kumimoji="1" lang="ko-KR" altLang="en-US" smtClean="0"/>
-              <a:t>2023. 10. 16.</a:t>
+              <a:t>2023. 10. 17.</a:t>
             </a:fld>
             <a:endParaRPr kumimoji="1" lang="ko-KR" altLang="en-US"/>
           </a:p>
@@ -2750,7 +2750,7 @@
           <a:p>
             <a:fld id="{0A438C46-0BF0-AF42-9FD7-651246E16C9E}" type="datetimeFigureOut">
               <a:rPr kumimoji="1" lang="ko-KR" altLang="en-US" smtClean="0"/>
-              <a:t>2023. 10. 16.</a:t>
+              <a:t>2023. 10. 17.</a:t>
             </a:fld>
             <a:endParaRPr kumimoji="1" lang="ko-KR" altLang="en-US"/>
           </a:p>
@@ -2958,7 +2958,7 @@
           <a:p>
             <a:fld id="{0A438C46-0BF0-AF42-9FD7-651246E16C9E}" type="datetimeFigureOut">
               <a:rPr kumimoji="1" lang="ko-KR" altLang="en-US" smtClean="0"/>
-              <a:t>2023. 10. 16.</a:t>
+              <a:t>2023. 10. 17.</a:t>
             </a:fld>
             <a:endParaRPr kumimoji="1" lang="ko-KR" altLang="en-US"/>
           </a:p>
@@ -3409,300 +3409,55 @@
           </a:p>
         </p:txBody>
       </p:sp>
-      <p:grpSp>
-        <p:nvGrpSpPr>
-          <p:cNvPr id="5" name="그룹 4"/>
-          <p:cNvGrpSpPr/>
-          <p:nvPr/>
-        </p:nvGrpSpPr>
-        <p:grpSpPr>
-          <a:xfrm>
-            <a:off x="816687" y="219131"/>
-            <a:ext cx="4140000" cy="838220"/>
-            <a:chOff x="0" y="881856"/>
-            <a:chExt cx="21383625" cy="4132969"/>
-          </a:xfrm>
-        </p:grpSpPr>
-        <p:pic>
-          <p:nvPicPr>
-            <p:cNvPr id="6" name="그림 5" descr="flash"/>
-            <p:cNvPicPr/>
-            <p:nvPr/>
-          </p:nvPicPr>
-          <p:blipFill>
-            <a:blip r:embed="rId3"/>
-            <a:srcRect/>
-            <a:stretch>
-              <a:fillRect/>
-            </a:stretch>
-          </p:blipFill>
-          <p:spPr bwMode="auto">
-            <a:xfrm>
-              <a:off x="0" y="881856"/>
-              <a:ext cx="5300982" cy="4132969"/>
-            </a:xfrm>
-            <a:prstGeom prst="rect">
-              <a:avLst/>
-            </a:prstGeom>
-            <a:noFill/>
-            <a:ln w="9525">
-              <a:noFill/>
-              <a:miter lim="800000"/>
-              <a:headEnd/>
-              <a:tailEnd/>
-            </a:ln>
-          </p:spPr>
-        </p:pic>
-        <p:sp>
-          <p:nvSpPr>
-            <p:cNvPr id="7" name="직사각형 6"/>
-            <p:cNvSpPr/>
-            <p:nvPr/>
-          </p:nvSpPr>
-          <p:spPr>
-            <a:xfrm>
-              <a:off x="5300982" y="881856"/>
-              <a:ext cx="16082643" cy="4132969"/>
-            </a:xfrm>
-            <a:prstGeom prst="rect">
-              <a:avLst/>
-            </a:prstGeom>
-            <a:solidFill>
-              <a:srgbClr val="960204"/>
-            </a:solidFill>
-            <a:ln>
-              <a:noFill/>
-            </a:ln>
-          </p:spPr>
-          <p:style>
-            <a:lnRef idx="2">
-              <a:schemeClr val="accent1">
-                <a:shade val="50000"/>
-              </a:schemeClr>
-            </a:lnRef>
-            <a:fillRef idx="1">
-              <a:schemeClr val="accent1"/>
-            </a:fillRef>
-            <a:effectRef idx="0">
-              <a:schemeClr val="accent1"/>
-            </a:effectRef>
-            <a:fontRef idx="minor">
-              <a:schemeClr val="lt1"/>
-            </a:fontRef>
-          </p:style>
-          <p:txBody>
-            <a:bodyPr rtlCol="0" anchor="ctr"/>
-            <a:lstStyle/>
-            <a:p>
-              <a:pPr algn="ctr"/>
-              <a:endParaRPr kumimoji="1" lang="ko-KR" altLang="en-US" sz="10873"/>
-            </a:p>
-          </p:txBody>
-        </p:sp>
-        <p:sp>
-          <p:nvSpPr>
-            <p:cNvPr id="8" name="텍스트 상자 22"/>
-            <p:cNvSpPr txBox="1"/>
-            <p:nvPr/>
-          </p:nvSpPr>
-          <p:spPr>
-            <a:xfrm>
-              <a:off x="5439906" y="897969"/>
-              <a:ext cx="15269773" cy="4097355"/>
-            </a:xfrm>
-            <a:prstGeom prst="rect">
-              <a:avLst/>
-            </a:prstGeom>
-            <a:noFill/>
-          </p:spPr>
-          <p:txBody>
-            <a:bodyPr wrap="square" rtlCol="0">
-              <a:spAutoFit/>
-            </a:bodyPr>
-            <a:lstStyle/>
-            <a:p>
-              <a:r>
-                <a:rPr kumimoji="1" lang="en-US" altLang="ko-KR" b="1" dirty="0">
-                  <a:solidFill>
-                    <a:schemeClr val="bg1"/>
-                  </a:solidFill>
-                  <a:latin typeface="Arial" charset="0"/>
-                  <a:ea typeface="Arial" charset="0"/>
-                  <a:cs typeface="Arial" charset="0"/>
-                </a:rPr>
-                <a:t>NVRAMOS 2023</a:t>
-              </a:r>
-            </a:p>
-            <a:p>
-              <a:r>
-                <a:rPr kumimoji="1" lang="en-US" altLang="ko-KR" sz="1000" b="1" dirty="0">
-                  <a:solidFill>
-                    <a:schemeClr val="bg1"/>
-                  </a:solidFill>
-                  <a:latin typeface="Arial" charset="0"/>
-                  <a:ea typeface="Arial" charset="0"/>
-                  <a:cs typeface="Arial" charset="0"/>
-                </a:rPr>
-                <a:t>Workshop on Operating System Support for</a:t>
-              </a:r>
-            </a:p>
-            <a:p>
-              <a:r>
-                <a:rPr kumimoji="1" lang="en-US" altLang="ko-KR" sz="1000" b="1" dirty="0">
-                  <a:solidFill>
-                    <a:schemeClr val="bg1"/>
-                  </a:solidFill>
-                  <a:latin typeface="Arial" charset="0"/>
-                  <a:ea typeface="Arial" charset="0"/>
-                  <a:cs typeface="Arial" charset="0"/>
-                </a:rPr>
-                <a:t>Next Generation Large Scale NVRAM</a:t>
-              </a:r>
-            </a:p>
-            <a:p>
-              <a:r>
-                <a:rPr kumimoji="1" lang="en-US" altLang="ko-KR" sz="1000" b="1" dirty="0">
-                  <a:solidFill>
-                    <a:schemeClr val="bg1"/>
-                  </a:solidFill>
-                  <a:latin typeface="Arial" charset="0"/>
-                  <a:ea typeface="Arial" charset="0"/>
-                  <a:cs typeface="Arial" charset="0"/>
-                </a:rPr>
-                <a:t>Oct 19-21, 2023, </a:t>
-              </a:r>
-              <a:r>
-                <a:rPr kumimoji="1" lang="en-US" altLang="ko-KR" sz="1000" b="1" dirty="0" err="1">
-                  <a:solidFill>
-                    <a:schemeClr val="bg1"/>
-                  </a:solidFill>
-                  <a:latin typeface="Arial" charset="0"/>
-                  <a:ea typeface="Arial" charset="0"/>
-                  <a:cs typeface="Arial" charset="0"/>
-                </a:rPr>
-                <a:t>Jeju</a:t>
-              </a:r>
-              <a:r>
-                <a:rPr kumimoji="1" lang="en-US" altLang="ko-KR" sz="1000" b="1" dirty="0">
-                  <a:solidFill>
-                    <a:schemeClr val="bg1"/>
-                  </a:solidFill>
-                  <a:latin typeface="Arial" charset="0"/>
-                  <a:ea typeface="Arial" charset="0"/>
-                  <a:cs typeface="Arial" charset="0"/>
-                </a:rPr>
-                <a:t>, Korea</a:t>
-              </a:r>
-              <a:endParaRPr kumimoji="1" lang="ko-KR" altLang="en-US" sz="1000" b="1" dirty="0">
-                <a:solidFill>
-                  <a:schemeClr val="bg1"/>
-                </a:solidFill>
-                <a:latin typeface="Arial" charset="0"/>
-                <a:ea typeface="Arial" charset="0"/>
-                <a:cs typeface="Arial" charset="0"/>
-              </a:endParaRPr>
-            </a:p>
-          </p:txBody>
-        </p:sp>
-      </p:grpSp>
       <p:pic>
         <p:nvPicPr>
-          <p:cNvPr id="9" name="그림 8"/>
-          <p:cNvPicPr>
-            <a:picLocks noChangeAspect="1"/>
-          </p:cNvPicPr>
+          <p:cNvPr id="6" name="nvramos_logo1" descr="flash"/>
+          <p:cNvPicPr/>
           <p:nvPr/>
         </p:nvPicPr>
         <p:blipFill>
-          <a:blip r:embed="rId4"/>
+          <a:blip r:embed="rId3"/>
+          <a:srcRect/>
           <a:stretch>
             <a:fillRect/>
           </a:stretch>
         </p:blipFill>
-        <p:spPr>
-          <a:xfrm>
-            <a:off x="891198" y="1253756"/>
-            <a:ext cx="1428979" cy="374056"/>
-          </a:xfrm>
-          <a:prstGeom prst="rect">
-            <a:avLst/>
-          </a:prstGeom>
-        </p:spPr>
-      </p:pic>
-      <p:sp>
-        <p:nvSpPr>
-          <p:cNvPr id="10" name="직사각형 9"/>
-          <p:cNvSpPr/>
-          <p:nvPr/>
-        </p:nvSpPr>
-        <p:spPr>
-          <a:xfrm>
-            <a:off x="816687" y="1058985"/>
-            <a:ext cx="1298753" cy="261610"/>
-          </a:xfrm>
-          <a:prstGeom prst="rect">
-            <a:avLst/>
-          </a:prstGeom>
-        </p:spPr>
-        <p:txBody>
-          <a:bodyPr wrap="none">
-            <a:spAutoFit/>
-          </a:bodyPr>
-          <a:lstStyle/>
-          <a:p>
-            <a:r>
-              <a:rPr kumimoji="1" lang="en-US" altLang="ko-KR" sz="1050" b="1" dirty="0">
-                <a:latin typeface="+mj-ea"/>
-              </a:rPr>
-              <a:t>KIISE SIGFAST &amp;</a:t>
-            </a:r>
-            <a:endParaRPr lang="ko-KR" altLang="en-US" sz="1050" dirty="0"/>
-          </a:p>
-        </p:txBody>
-      </p:sp>
-      <p:pic>
-        <p:nvPicPr>
-          <p:cNvPr id="11" name="그림 10"/>
-          <p:cNvPicPr>
-            <a:picLocks noChangeAspect="1"/>
-          </p:cNvPicPr>
-          <p:nvPr/>
-        </p:nvPicPr>
-        <p:blipFill>
-          <a:blip r:embed="rId5"/>
-          <a:stretch>
-            <a:fillRect/>
-          </a:stretch>
-        </p:blipFill>
-        <p:spPr>
-          <a:xfrm>
-            <a:off x="3399838" y="1102270"/>
-            <a:ext cx="1504454" cy="436649"/>
-          </a:xfrm>
-          <a:prstGeom prst="rect">
-            <a:avLst/>
-          </a:prstGeom>
-        </p:spPr>
-      </p:pic>
-      <p:sp>
-        <p:nvSpPr>
-          <p:cNvPr id="16" name="직사각형 15"/>
-          <p:cNvSpPr/>
-          <p:nvPr/>
-        </p:nvSpPr>
-        <p:spPr>
-          <a:xfrm>
-            <a:off x="4955915" y="219130"/>
-            <a:ext cx="4140000" cy="3204000"/>
+        <p:spPr bwMode="auto">
+          <a:xfrm>
+            <a:off x="816687" y="219131"/>
+            <a:ext cx="1026302" cy="838220"/>
           </a:xfrm>
           <a:prstGeom prst="rect">
             <a:avLst/>
           </a:prstGeom>
           <a:noFill/>
-          <a:ln w="3175">
-            <a:solidFill>
-              <a:schemeClr val="tx1"/>
-            </a:solidFill>
+          <a:ln w="9525">
+            <a:noFill/>
+            <a:miter lim="800000"/>
+            <a:headEnd/>
+            <a:tailEnd/>
+          </a:ln>
+        </p:spPr>
+      </p:pic>
+      <p:sp>
+        <p:nvSpPr>
+          <p:cNvPr id="7" name="직사각형 6"/>
+          <p:cNvSpPr/>
+          <p:nvPr/>
+        </p:nvSpPr>
+        <p:spPr>
+          <a:xfrm>
+            <a:off x="1842989" y="219131"/>
+            <a:ext cx="3113698" cy="838220"/>
+          </a:xfrm>
+          <a:prstGeom prst="rect">
+            <a:avLst/>
+          </a:prstGeom>
+          <a:solidFill>
+            <a:srgbClr val="960204"/>
+          </a:solidFill>
+          <a:ln>
+            <a:noFill/>
           </a:ln>
         </p:spPr>
         <p:style>
@@ -3726,255 +3481,118 @@
           <a:lstStyle/>
           <a:p>
             <a:pPr algn="ctr"/>
-            <a:endParaRPr kumimoji="1" lang="ko-KR" altLang="en-US"/>
-          </a:p>
-        </p:txBody>
-      </p:sp>
-      <p:grpSp>
-        <p:nvGrpSpPr>
-          <p:cNvPr id="17" name="그룹 16"/>
-          <p:cNvGrpSpPr/>
+            <a:endParaRPr kumimoji="1" lang="ko-KR" altLang="en-US" sz="10873"/>
+          </a:p>
+        </p:txBody>
+      </p:sp>
+      <p:sp>
+        <p:nvSpPr>
+          <p:cNvPr id="8" name="workshop_info1"/>
+          <p:cNvSpPr txBox="1"/>
           <p:nvPr/>
-        </p:nvGrpSpPr>
-        <p:grpSpPr>
-          <a:xfrm>
-            <a:off x="4955915" y="219131"/>
-            <a:ext cx="4140000" cy="838220"/>
-            <a:chOff x="0" y="881856"/>
-            <a:chExt cx="21383625" cy="4132969"/>
-          </a:xfrm>
-        </p:grpSpPr>
-        <p:pic>
-          <p:nvPicPr>
-            <p:cNvPr id="18" name="그림 17" descr="flash"/>
-            <p:cNvPicPr/>
-            <p:nvPr/>
-          </p:nvPicPr>
-          <p:blipFill>
-            <a:blip r:embed="rId3"/>
-            <a:srcRect/>
-            <a:stretch>
-              <a:fillRect/>
-            </a:stretch>
-          </p:blipFill>
-          <p:spPr bwMode="auto">
-            <a:xfrm>
-              <a:off x="0" y="881856"/>
-              <a:ext cx="5300982" cy="4132969"/>
-            </a:xfrm>
-            <a:prstGeom prst="rect">
-              <a:avLst/>
-            </a:prstGeom>
-            <a:noFill/>
-            <a:ln w="9525">
-              <a:noFill/>
-              <a:miter lim="800000"/>
-              <a:headEnd/>
-              <a:tailEnd/>
-            </a:ln>
-          </p:spPr>
-        </p:pic>
-        <p:sp>
-          <p:nvSpPr>
-            <p:cNvPr id="19" name="직사각형 18"/>
-            <p:cNvSpPr/>
-            <p:nvPr/>
-          </p:nvSpPr>
-          <p:spPr>
-            <a:xfrm>
-              <a:off x="5300982" y="881856"/>
-              <a:ext cx="16082643" cy="4132969"/>
-            </a:xfrm>
-            <a:prstGeom prst="rect">
-              <a:avLst/>
-            </a:prstGeom>
-            <a:solidFill>
-              <a:srgbClr val="960204"/>
-            </a:solidFill>
-            <a:ln>
-              <a:noFill/>
-            </a:ln>
-          </p:spPr>
-          <p:style>
-            <a:lnRef idx="2">
-              <a:schemeClr val="accent1">
-                <a:shade val="50000"/>
-              </a:schemeClr>
-            </a:lnRef>
-            <a:fillRef idx="1">
-              <a:schemeClr val="accent1"/>
-            </a:fillRef>
-            <a:effectRef idx="0">
-              <a:schemeClr val="accent1"/>
-            </a:effectRef>
-            <a:fontRef idx="minor">
-              <a:schemeClr val="lt1"/>
-            </a:fontRef>
-          </p:style>
-          <p:txBody>
-            <a:bodyPr rtlCol="0" anchor="ctr"/>
-            <a:lstStyle/>
-            <a:p>
-              <a:pPr algn="ctr"/>
-              <a:endParaRPr kumimoji="1" lang="ko-KR" altLang="en-US" sz="10873"/>
-            </a:p>
-          </p:txBody>
-        </p:sp>
-        <p:sp>
-          <p:nvSpPr>
-            <p:cNvPr id="20" name="텍스트 상자 46"/>
-            <p:cNvSpPr txBox="1"/>
-            <p:nvPr/>
-          </p:nvSpPr>
-          <p:spPr>
-            <a:xfrm>
-              <a:off x="5439906" y="897969"/>
-              <a:ext cx="15269773" cy="4097355"/>
-            </a:xfrm>
-            <a:prstGeom prst="rect">
-              <a:avLst/>
-            </a:prstGeom>
-            <a:noFill/>
-          </p:spPr>
-          <p:txBody>
-            <a:bodyPr wrap="square" rtlCol="0">
-              <a:spAutoFit/>
-            </a:bodyPr>
-            <a:lstStyle/>
-            <a:p>
-              <a:r>
-                <a:rPr kumimoji="1" lang="en-US" altLang="ko-KR" b="1" dirty="0">
-                  <a:solidFill>
-                    <a:schemeClr val="bg1"/>
-                  </a:solidFill>
-                  <a:latin typeface="Arial" charset="0"/>
-                  <a:ea typeface="Arial" charset="0"/>
-                  <a:cs typeface="Arial" charset="0"/>
-                </a:rPr>
-                <a:t>NVRAMOS 2023</a:t>
-              </a:r>
-            </a:p>
-            <a:p>
-              <a:pPr marL="0" marR="0" lvl="0" indent="0" algn="l" defTabSz="914400" rtl="0" eaLnBrk="1" fontAlgn="auto" latinLnBrk="1" hangingPunct="1">
-                <a:lnSpc>
-                  <a:spcPct val="100000"/>
-                </a:lnSpc>
-                <a:spcBef>
-                  <a:spcPts val="0"/>
-                </a:spcBef>
-                <a:spcAft>
-                  <a:spcPts val="0"/>
-                </a:spcAft>
-                <a:buClrTx/>
-                <a:buSzTx/>
-                <a:buFontTx/>
-                <a:buNone/>
-                <a:tabLst/>
-                <a:defRPr/>
-              </a:pPr>
-              <a:r>
-                <a:rPr kumimoji="1" lang="en-US" altLang="ko-KR" sz="1000" b="1" i="0" u="none" strike="noStrike" kern="1200" cap="none" spc="0" normalizeH="0" baseline="0" noProof="0" dirty="0">
-                  <a:ln>
-                    <a:noFill/>
-                  </a:ln>
-                  <a:solidFill>
-                    <a:prstClr val="white"/>
-                  </a:solidFill>
-                  <a:effectLst/>
-                  <a:uLnTx/>
-                  <a:uFillTx/>
-                  <a:latin typeface="Arial" charset="0"/>
-                  <a:ea typeface="Arial" charset="0"/>
-                  <a:cs typeface="Arial" charset="0"/>
-                </a:rPr>
-                <a:t>Workshop on Operating System Support for</a:t>
-              </a:r>
-            </a:p>
-            <a:p>
-              <a:pPr marL="0" marR="0" lvl="0" indent="0" algn="l" defTabSz="914400" rtl="0" eaLnBrk="1" fontAlgn="auto" latinLnBrk="1" hangingPunct="1">
-                <a:lnSpc>
-                  <a:spcPct val="100000"/>
-                </a:lnSpc>
-                <a:spcBef>
-                  <a:spcPts val="0"/>
-                </a:spcBef>
-                <a:spcAft>
-                  <a:spcPts val="0"/>
-                </a:spcAft>
-                <a:buClrTx/>
-                <a:buSzTx/>
-                <a:buFontTx/>
-                <a:buNone/>
-                <a:tabLst/>
-                <a:defRPr/>
-              </a:pPr>
-              <a:r>
-                <a:rPr kumimoji="1" lang="en-US" altLang="ko-KR" sz="1000" b="1" i="0" u="none" strike="noStrike" kern="1200" cap="none" spc="0" normalizeH="0" baseline="0" noProof="0" dirty="0">
-                  <a:ln>
-                    <a:noFill/>
-                  </a:ln>
-                  <a:solidFill>
-                    <a:prstClr val="white"/>
-                  </a:solidFill>
-                  <a:effectLst/>
-                  <a:uLnTx/>
-                  <a:uFillTx/>
-                  <a:latin typeface="Arial" charset="0"/>
-                  <a:ea typeface="Arial" charset="0"/>
-                  <a:cs typeface="Arial" charset="0"/>
-                </a:rPr>
-                <a:t>Next Generation Large Scale NVRAM</a:t>
-              </a:r>
-            </a:p>
-            <a:p>
-              <a:r>
-                <a:rPr kumimoji="1" lang="en-US" altLang="ko-KR" sz="1000" b="1" dirty="0">
-                  <a:solidFill>
-                    <a:schemeClr val="bg1"/>
-                  </a:solidFill>
-                  <a:latin typeface="Arial" charset="0"/>
-                  <a:ea typeface="Arial" charset="0"/>
-                  <a:cs typeface="Arial" charset="0"/>
-                </a:rPr>
-                <a:t>Oct 19-21, 2023, </a:t>
-              </a:r>
-              <a:r>
-                <a:rPr kumimoji="1" lang="en-US" altLang="ko-KR" sz="1000" b="1" dirty="0" err="1">
-                  <a:solidFill>
-                    <a:schemeClr val="bg1"/>
-                  </a:solidFill>
-                  <a:latin typeface="Arial" charset="0"/>
-                  <a:ea typeface="Arial" charset="0"/>
-                  <a:cs typeface="Arial" charset="0"/>
-                </a:rPr>
-                <a:t>Jeju</a:t>
-              </a:r>
-              <a:r>
-                <a:rPr kumimoji="1" lang="en-US" altLang="ko-KR" sz="1000" b="1" dirty="0">
-                  <a:solidFill>
-                    <a:schemeClr val="bg1"/>
-                  </a:solidFill>
-                  <a:latin typeface="Arial" charset="0"/>
-                  <a:ea typeface="Arial" charset="0"/>
-                  <a:cs typeface="Arial" charset="0"/>
-                </a:rPr>
-                <a:t>, Korea</a:t>
-              </a:r>
-              <a:endParaRPr kumimoji="1" lang="ko-KR" altLang="en-US" sz="1000" b="1" dirty="0">
+        </p:nvSpPr>
+        <p:spPr>
+          <a:xfrm>
+            <a:off x="1869886" y="222399"/>
+            <a:ext cx="2956321" cy="830997"/>
+          </a:xfrm>
+          <a:prstGeom prst="rect">
+            <a:avLst/>
+          </a:prstGeom>
+          <a:noFill/>
+        </p:spPr>
+        <p:txBody>
+          <a:bodyPr wrap="square" rtlCol="0">
+            <a:spAutoFit/>
+          </a:bodyPr>
+          <a:lstStyle/>
+          <a:p>
+            <a:r>
+              <a:rPr kumimoji="1" lang="en-US" altLang="ko-KR" b="1" dirty="0">
                 <a:solidFill>
                   <a:schemeClr val="bg1"/>
                 </a:solidFill>
                 <a:latin typeface="Arial" charset="0"/>
                 <a:ea typeface="Arial" charset="0"/>
                 <a:cs typeface="Arial" charset="0"/>
-              </a:endParaRPr>
-            </a:p>
-          </p:txBody>
-        </p:sp>
-      </p:grpSp>
+              </a:rPr>
+              <a:t>NVRAMOS 2023</a:t>
+            </a:r>
+          </a:p>
+          <a:p>
+            <a:r>
+              <a:rPr kumimoji="1" lang="en-US" altLang="ko-KR" sz="1000" b="1" dirty="0">
+                <a:solidFill>
+                  <a:schemeClr val="bg1"/>
+                </a:solidFill>
+                <a:latin typeface="Arial" charset="0"/>
+                <a:ea typeface="Arial" charset="0"/>
+                <a:cs typeface="Arial" charset="0"/>
+              </a:rPr>
+              <a:t>Workshop on Operating System Support for</a:t>
+            </a:r>
+          </a:p>
+          <a:p>
+            <a:r>
+              <a:rPr kumimoji="1" lang="en-US" altLang="ko-KR" sz="1000" b="1" dirty="0">
+                <a:solidFill>
+                  <a:schemeClr val="bg1"/>
+                </a:solidFill>
+                <a:latin typeface="Arial" charset="0"/>
+                <a:ea typeface="Arial" charset="0"/>
+                <a:cs typeface="Arial" charset="0"/>
+              </a:rPr>
+              <a:t>Next Generation Large Scale NVRAM</a:t>
+            </a:r>
+          </a:p>
+          <a:p>
+            <a:r>
+              <a:rPr kumimoji="1" lang="en-US" altLang="ko-KR" sz="1000" b="1" dirty="0">
+                <a:solidFill>
+                  <a:schemeClr val="bg1"/>
+                </a:solidFill>
+                <a:latin typeface="Arial" charset="0"/>
+                <a:ea typeface="Arial" charset="0"/>
+                <a:cs typeface="Arial" charset="0"/>
+              </a:rPr>
+              <a:t>Oct 19-21, 2023, </a:t>
+            </a:r>
+            <a:r>
+              <a:rPr kumimoji="1" lang="en-US" altLang="ko-KR" sz="1000" b="1" dirty="0" err="1">
+                <a:solidFill>
+                  <a:schemeClr val="bg1"/>
+                </a:solidFill>
+                <a:latin typeface="Arial" charset="0"/>
+                <a:ea typeface="Arial" charset="0"/>
+                <a:cs typeface="Arial" charset="0"/>
+              </a:rPr>
+              <a:t>Jeju</a:t>
+            </a:r>
+            <a:r>
+              <a:rPr kumimoji="1" lang="en-US" altLang="ko-KR" sz="1000" b="1" dirty="0">
+                <a:solidFill>
+                  <a:schemeClr val="bg1"/>
+                </a:solidFill>
+                <a:latin typeface="Arial" charset="0"/>
+                <a:ea typeface="Arial" charset="0"/>
+                <a:cs typeface="Arial" charset="0"/>
+              </a:rPr>
+              <a:t>, Korea</a:t>
+            </a:r>
+            <a:endParaRPr kumimoji="1" lang="ko-KR" altLang="en-US" sz="1000" b="1" dirty="0">
+              <a:solidFill>
+                <a:schemeClr val="bg1"/>
+              </a:solidFill>
+              <a:latin typeface="Arial" charset="0"/>
+              <a:ea typeface="Arial" charset="0"/>
+              <a:cs typeface="Arial" charset="0"/>
+            </a:endParaRPr>
+          </a:p>
+        </p:txBody>
+      </p:sp>
       <p:pic>
         <p:nvPicPr>
-          <p:cNvPr id="21" name="그림 20"/>
+          <p:cNvPr id="9" name="comsys_logo1"/>
           <p:cNvPicPr>
             <a:picLocks noChangeAspect="1"/>
           </p:cNvPicPr>
@@ -3988,7 +3606,7 @@
         </p:blipFill>
         <p:spPr>
           <a:xfrm>
-            <a:off x="5030426" y="1257025"/>
+            <a:off x="891198" y="1253756"/>
             <a:ext cx="1428979" cy="374056"/>
           </a:xfrm>
           <a:prstGeom prst="rect">
@@ -3998,13 +3616,13 @@
       </p:pic>
       <p:sp>
         <p:nvSpPr>
-          <p:cNvPr id="22" name="직사각형 21"/>
+          <p:cNvPr id="10" name="직사각형 9"/>
           <p:cNvSpPr/>
           <p:nvPr/>
         </p:nvSpPr>
         <p:spPr>
           <a:xfrm>
-            <a:off x="4955915" y="1062254"/>
+            <a:off x="816687" y="1058985"/>
             <a:ext cx="1298753" cy="261610"/>
           </a:xfrm>
           <a:prstGeom prst="rect">
@@ -4029,7 +3647,7 @@
       </p:sp>
       <p:pic>
         <p:nvPicPr>
-          <p:cNvPr id="23" name="그림 22"/>
+          <p:cNvPr id="11" name="ksc_logo1"/>
           <p:cNvPicPr>
             <a:picLocks noChangeAspect="1"/>
           </p:cNvPicPr>
@@ -4043,7 +3661,7 @@
         </p:blipFill>
         <p:spPr>
           <a:xfrm>
-            <a:off x="7539066" y="1105539"/>
+            <a:off x="3399838" y="1102270"/>
             <a:ext cx="1504454" cy="436649"/>
           </a:xfrm>
           <a:prstGeom prst="rect">
@@ -4053,13 +3671,13 @@
       </p:pic>
       <p:sp>
         <p:nvSpPr>
-          <p:cNvPr id="25" name="직사각형 24"/>
+          <p:cNvPr id="16" name="직사각형 15"/>
           <p:cNvSpPr/>
           <p:nvPr/>
         </p:nvSpPr>
         <p:spPr>
           <a:xfrm>
-            <a:off x="816687" y="3432148"/>
+            <a:off x="4955915" y="219130"/>
             <a:ext cx="4140000" cy="3204000"/>
           </a:xfrm>
           <a:prstGeom prst="rect">
@@ -4097,411 +3715,55 @@
           </a:p>
         </p:txBody>
       </p:sp>
-      <p:grpSp>
-        <p:nvGrpSpPr>
-          <p:cNvPr id="26" name="그룹 25"/>
-          <p:cNvGrpSpPr/>
-          <p:nvPr/>
-        </p:nvGrpSpPr>
-        <p:grpSpPr>
-          <a:xfrm>
-            <a:off x="816687" y="3432149"/>
-            <a:ext cx="4140000" cy="838220"/>
-            <a:chOff x="0" y="881856"/>
-            <a:chExt cx="21383625" cy="4132969"/>
-          </a:xfrm>
-        </p:grpSpPr>
-        <p:pic>
-          <p:nvPicPr>
-            <p:cNvPr id="27" name="그림 26" descr="flash"/>
-            <p:cNvPicPr/>
-            <p:nvPr/>
-          </p:nvPicPr>
-          <p:blipFill>
-            <a:blip r:embed="rId3"/>
-            <a:srcRect/>
-            <a:stretch>
-              <a:fillRect/>
-            </a:stretch>
-          </p:blipFill>
-          <p:spPr bwMode="auto">
-            <a:xfrm>
-              <a:off x="0" y="881856"/>
-              <a:ext cx="5300982" cy="4132969"/>
-            </a:xfrm>
-            <a:prstGeom prst="rect">
-              <a:avLst/>
-            </a:prstGeom>
-            <a:noFill/>
-            <a:ln w="9525">
-              <a:noFill/>
-              <a:miter lim="800000"/>
-              <a:headEnd/>
-              <a:tailEnd/>
-            </a:ln>
-          </p:spPr>
-        </p:pic>
-        <p:sp>
-          <p:nvSpPr>
-            <p:cNvPr id="28" name="직사각형 27"/>
-            <p:cNvSpPr/>
-            <p:nvPr/>
-          </p:nvSpPr>
-          <p:spPr>
-            <a:xfrm>
-              <a:off x="5300982" y="881856"/>
-              <a:ext cx="16082643" cy="4132969"/>
-            </a:xfrm>
-            <a:prstGeom prst="rect">
-              <a:avLst/>
-            </a:prstGeom>
-            <a:solidFill>
-              <a:srgbClr val="960204"/>
-            </a:solidFill>
-            <a:ln>
-              <a:noFill/>
-            </a:ln>
-          </p:spPr>
-          <p:style>
-            <a:lnRef idx="2">
-              <a:schemeClr val="accent1">
-                <a:shade val="50000"/>
-              </a:schemeClr>
-            </a:lnRef>
-            <a:fillRef idx="1">
-              <a:schemeClr val="accent1"/>
-            </a:fillRef>
-            <a:effectRef idx="0">
-              <a:schemeClr val="accent1"/>
-            </a:effectRef>
-            <a:fontRef idx="minor">
-              <a:schemeClr val="lt1"/>
-            </a:fontRef>
-          </p:style>
-          <p:txBody>
-            <a:bodyPr rtlCol="0" anchor="ctr"/>
-            <a:lstStyle/>
-            <a:p>
-              <a:pPr algn="ctr"/>
-              <a:endParaRPr kumimoji="1" lang="ko-KR" altLang="en-US" sz="10873"/>
-            </a:p>
-          </p:txBody>
-        </p:sp>
-        <p:sp>
-          <p:nvSpPr>
-            <p:cNvPr id="29" name="텍스트 상자 82"/>
-            <p:cNvSpPr txBox="1"/>
-            <p:nvPr/>
-          </p:nvSpPr>
-          <p:spPr>
-            <a:xfrm>
-              <a:off x="5439906" y="897969"/>
-              <a:ext cx="15269773" cy="4097355"/>
-            </a:xfrm>
-            <a:prstGeom prst="rect">
-              <a:avLst/>
-            </a:prstGeom>
-            <a:noFill/>
-          </p:spPr>
-          <p:txBody>
-            <a:bodyPr wrap="square" rtlCol="0">
-              <a:spAutoFit/>
-            </a:bodyPr>
-            <a:lstStyle/>
-            <a:p>
-              <a:pPr marL="0" marR="0" lvl="0" indent="0" algn="l" defTabSz="914400" rtl="0" eaLnBrk="1" fontAlgn="auto" latinLnBrk="1" hangingPunct="1">
-                <a:lnSpc>
-                  <a:spcPct val="100000"/>
-                </a:lnSpc>
-                <a:spcBef>
-                  <a:spcPts val="0"/>
-                </a:spcBef>
-                <a:spcAft>
-                  <a:spcPts val="0"/>
-                </a:spcAft>
-                <a:buClrTx/>
-                <a:buSzTx/>
-                <a:buFontTx/>
-                <a:buNone/>
-                <a:tabLst/>
-                <a:defRPr/>
-              </a:pPr>
-              <a:r>
-                <a:rPr kumimoji="1" lang="en-US" altLang="ko-KR" sz="1800" b="1" i="0" u="none" strike="noStrike" kern="1200" cap="none" spc="0" normalizeH="0" baseline="0" noProof="0" dirty="0" err="1">
-                  <a:ln>
-                    <a:noFill/>
-                  </a:ln>
-                  <a:solidFill>
-                    <a:prstClr val="white"/>
-                  </a:solidFill>
-                  <a:effectLst/>
-                  <a:uLnTx/>
-                  <a:uFillTx/>
-                  <a:latin typeface="Arial" charset="0"/>
-                  <a:ea typeface="Arial" charset="0"/>
-                  <a:cs typeface="Arial" charset="0"/>
-                </a:rPr>
-                <a:t>NVRAMOS</a:t>
-              </a:r>
-              <a:r>
-                <a:rPr kumimoji="1" lang="en-US" altLang="ko-KR" sz="1800" b="1" i="0" u="none" strike="noStrike" kern="1200" cap="none" spc="0" normalizeH="0" baseline="0" noProof="0" dirty="0">
-                  <a:ln>
-                    <a:noFill/>
-                  </a:ln>
-                  <a:solidFill>
-                    <a:prstClr val="white"/>
-                  </a:solidFill>
-                  <a:effectLst/>
-                  <a:uLnTx/>
-                  <a:uFillTx/>
-                  <a:latin typeface="Arial" charset="0"/>
-                  <a:ea typeface="Arial" charset="0"/>
-                  <a:cs typeface="Arial" charset="0"/>
-                </a:rPr>
-                <a:t> </a:t>
-              </a:r>
-              <a:r>
-                <a:rPr kumimoji="1" lang="en-US" altLang="ko-KR" b="1" dirty="0">
-                  <a:solidFill>
-                    <a:schemeClr val="bg1"/>
-                  </a:solidFill>
-                  <a:latin typeface="Arial" charset="0"/>
-                  <a:ea typeface="Arial" charset="0"/>
-                  <a:cs typeface="Arial" charset="0"/>
-                </a:rPr>
-                <a:t>2023</a:t>
-              </a:r>
-              <a:endParaRPr kumimoji="1" lang="en-US" altLang="ko-KR" sz="1800" b="1" i="0" u="none" strike="noStrike" kern="1200" cap="none" spc="0" normalizeH="0" baseline="0" noProof="0" dirty="0">
-                <a:ln>
-                  <a:noFill/>
-                </a:ln>
-                <a:solidFill>
-                  <a:prstClr val="white"/>
-                </a:solidFill>
-                <a:effectLst/>
-                <a:uLnTx/>
-                <a:uFillTx/>
-                <a:latin typeface="Arial" charset="0"/>
-                <a:ea typeface="Arial" charset="0"/>
-                <a:cs typeface="Arial" charset="0"/>
-              </a:endParaRPr>
-            </a:p>
-            <a:p>
-              <a:pPr marL="0" marR="0" lvl="0" indent="0" algn="l" defTabSz="914400" rtl="0" eaLnBrk="1" fontAlgn="auto" latinLnBrk="1" hangingPunct="1">
-                <a:lnSpc>
-                  <a:spcPct val="100000"/>
-                </a:lnSpc>
-                <a:spcBef>
-                  <a:spcPts val="0"/>
-                </a:spcBef>
-                <a:spcAft>
-                  <a:spcPts val="0"/>
-                </a:spcAft>
-                <a:buClrTx/>
-                <a:buSzTx/>
-                <a:buFontTx/>
-                <a:buNone/>
-                <a:tabLst/>
-                <a:defRPr/>
-              </a:pPr>
-              <a:r>
-                <a:rPr kumimoji="1" lang="en-US" altLang="ko-KR" sz="1000" b="1" i="0" u="none" strike="noStrike" kern="1200" cap="none" spc="0" normalizeH="0" baseline="0" noProof="0" dirty="0">
-                  <a:ln>
-                    <a:noFill/>
-                  </a:ln>
-                  <a:solidFill>
-                    <a:prstClr val="white"/>
-                  </a:solidFill>
-                  <a:effectLst/>
-                  <a:uLnTx/>
-                  <a:uFillTx/>
-                  <a:latin typeface="Arial" charset="0"/>
-                  <a:ea typeface="Arial" charset="0"/>
-                  <a:cs typeface="Arial" charset="0"/>
-                </a:rPr>
-                <a:t>Workshop on Operating System Support for</a:t>
-              </a:r>
-            </a:p>
-            <a:p>
-              <a:pPr marL="0" marR="0" lvl="0" indent="0" algn="l" defTabSz="914400" rtl="0" eaLnBrk="1" fontAlgn="auto" latinLnBrk="1" hangingPunct="1">
-                <a:lnSpc>
-                  <a:spcPct val="100000"/>
-                </a:lnSpc>
-                <a:spcBef>
-                  <a:spcPts val="0"/>
-                </a:spcBef>
-                <a:spcAft>
-                  <a:spcPts val="0"/>
-                </a:spcAft>
-                <a:buClrTx/>
-                <a:buSzTx/>
-                <a:buFontTx/>
-                <a:buNone/>
-                <a:tabLst/>
-                <a:defRPr/>
-              </a:pPr>
-              <a:r>
-                <a:rPr kumimoji="1" lang="en-US" altLang="ko-KR" sz="1000" b="1" i="0" u="none" strike="noStrike" kern="1200" cap="none" spc="0" normalizeH="0" baseline="0" noProof="0" dirty="0">
-                  <a:ln>
-                    <a:noFill/>
-                  </a:ln>
-                  <a:solidFill>
-                    <a:prstClr val="white"/>
-                  </a:solidFill>
-                  <a:effectLst/>
-                  <a:uLnTx/>
-                  <a:uFillTx/>
-                  <a:latin typeface="Arial" charset="0"/>
-                  <a:ea typeface="Arial" charset="0"/>
-                  <a:cs typeface="Arial" charset="0"/>
-                </a:rPr>
-                <a:t>Next Generation Large Scale NVRAM</a:t>
-              </a:r>
-            </a:p>
-            <a:p>
-              <a:r>
-                <a:rPr kumimoji="1" lang="en-US" altLang="ko-KR" sz="1000" b="1" dirty="0">
-                  <a:solidFill>
-                    <a:schemeClr val="bg1"/>
-                  </a:solidFill>
-                  <a:latin typeface="Arial" charset="0"/>
-                  <a:ea typeface="Arial" charset="0"/>
-                  <a:cs typeface="Arial" charset="0"/>
-                </a:rPr>
-                <a:t>Oct 19-21, 2023, </a:t>
-              </a:r>
-              <a:r>
-                <a:rPr kumimoji="1" lang="en-US" altLang="ko-KR" sz="1000" b="1" dirty="0" err="1">
-                  <a:solidFill>
-                    <a:schemeClr val="bg1"/>
-                  </a:solidFill>
-                  <a:latin typeface="Arial" charset="0"/>
-                  <a:ea typeface="Arial" charset="0"/>
-                  <a:cs typeface="Arial" charset="0"/>
-                </a:rPr>
-                <a:t>Jeju</a:t>
-              </a:r>
-              <a:r>
-                <a:rPr kumimoji="1" lang="en-US" altLang="ko-KR" sz="1000" b="1" dirty="0">
-                  <a:solidFill>
-                    <a:schemeClr val="bg1"/>
-                  </a:solidFill>
-                  <a:latin typeface="Arial" charset="0"/>
-                  <a:ea typeface="Arial" charset="0"/>
-                  <a:cs typeface="Arial" charset="0"/>
-                </a:rPr>
-                <a:t>, Korea</a:t>
-              </a:r>
-              <a:endParaRPr kumimoji="1" lang="ko-KR" altLang="en-US" sz="1000" b="1" dirty="0">
-                <a:solidFill>
-                  <a:schemeClr val="bg1"/>
-                </a:solidFill>
-                <a:latin typeface="Arial" charset="0"/>
-                <a:ea typeface="Arial" charset="0"/>
-                <a:cs typeface="Arial" charset="0"/>
-              </a:endParaRPr>
-            </a:p>
-          </p:txBody>
-        </p:sp>
-      </p:grpSp>
       <p:pic>
         <p:nvPicPr>
-          <p:cNvPr id="30" name="그림 29"/>
-          <p:cNvPicPr>
-            <a:picLocks noChangeAspect="1"/>
-          </p:cNvPicPr>
+          <p:cNvPr id="18" name="nvramos_logo2" descr="flash"/>
+          <p:cNvPicPr/>
           <p:nvPr/>
         </p:nvPicPr>
         <p:blipFill>
-          <a:blip r:embed="rId4"/>
+          <a:blip r:embed="rId3"/>
+          <a:srcRect/>
           <a:stretch>
             <a:fillRect/>
           </a:stretch>
         </p:blipFill>
-        <p:spPr>
-          <a:xfrm>
-            <a:off x="891198" y="4466774"/>
-            <a:ext cx="1428979" cy="374056"/>
-          </a:xfrm>
-          <a:prstGeom prst="rect">
-            <a:avLst/>
-          </a:prstGeom>
-        </p:spPr>
-      </p:pic>
-      <p:sp>
-        <p:nvSpPr>
-          <p:cNvPr id="31" name="직사각형 30"/>
-          <p:cNvSpPr/>
-          <p:nvPr/>
-        </p:nvSpPr>
-        <p:spPr>
-          <a:xfrm>
-            <a:off x="816687" y="4272003"/>
-            <a:ext cx="1298753" cy="261610"/>
-          </a:xfrm>
-          <a:prstGeom prst="rect">
-            <a:avLst/>
-          </a:prstGeom>
-        </p:spPr>
-        <p:txBody>
-          <a:bodyPr wrap="none">
-            <a:spAutoFit/>
-          </a:bodyPr>
-          <a:lstStyle/>
-          <a:p>
-            <a:r>
-              <a:rPr kumimoji="1" lang="en-US" altLang="ko-KR" sz="1050" b="1" dirty="0">
-                <a:latin typeface="+mj-ea"/>
-              </a:rPr>
-              <a:t>KIISE SIGFAST &amp;</a:t>
-            </a:r>
-            <a:endParaRPr lang="ko-KR" altLang="en-US" sz="1050" dirty="0"/>
-          </a:p>
-        </p:txBody>
-      </p:sp>
-      <p:pic>
-        <p:nvPicPr>
-          <p:cNvPr id="32" name="그림 31"/>
-          <p:cNvPicPr>
-            <a:picLocks noChangeAspect="1"/>
-          </p:cNvPicPr>
-          <p:nvPr/>
-        </p:nvPicPr>
-        <p:blipFill>
-          <a:blip r:embed="rId5"/>
-          <a:stretch>
-            <a:fillRect/>
-          </a:stretch>
-        </p:blipFill>
-        <p:spPr>
-          <a:xfrm>
-            <a:off x="3399838" y="4315288"/>
-            <a:ext cx="1504454" cy="436649"/>
-          </a:xfrm>
-          <a:prstGeom prst="rect">
-            <a:avLst/>
-          </a:prstGeom>
-        </p:spPr>
-      </p:pic>
-      <p:sp>
-        <p:nvSpPr>
-          <p:cNvPr id="34" name="직사각형 33"/>
-          <p:cNvSpPr/>
-          <p:nvPr/>
-        </p:nvSpPr>
-        <p:spPr>
-          <a:xfrm>
-            <a:off x="4955915" y="3432148"/>
-            <a:ext cx="4140000" cy="3204000"/>
+        <p:spPr bwMode="auto">
+          <a:xfrm>
+            <a:off x="4955915" y="219131"/>
+            <a:ext cx="1026302" cy="838220"/>
           </a:xfrm>
           <a:prstGeom prst="rect">
             <a:avLst/>
           </a:prstGeom>
           <a:noFill/>
-          <a:ln w="3175">
-            <a:solidFill>
-              <a:schemeClr val="tx1"/>
-            </a:solidFill>
+          <a:ln w="9525">
+            <a:noFill/>
+            <a:miter lim="800000"/>
+            <a:headEnd/>
+            <a:tailEnd/>
+          </a:ln>
+        </p:spPr>
+      </p:pic>
+      <p:sp>
+        <p:nvSpPr>
+          <p:cNvPr id="19" name="직사각형 18"/>
+          <p:cNvSpPr/>
+          <p:nvPr/>
+        </p:nvSpPr>
+        <p:spPr>
+          <a:xfrm>
+            <a:off x="5982217" y="219131"/>
+            <a:ext cx="3113698" cy="838220"/>
+          </a:xfrm>
+          <a:prstGeom prst="rect">
+            <a:avLst/>
+          </a:prstGeom>
+          <a:solidFill>
+            <a:srgbClr val="960204"/>
+          </a:solidFill>
+          <a:ln>
+            <a:noFill/>
           </a:ln>
         </p:spPr>
         <p:style>
@@ -4525,185 +3787,64 @@
           <a:lstStyle/>
           <a:p>
             <a:pPr algn="ctr"/>
-            <a:endParaRPr kumimoji="1" lang="ko-KR" altLang="en-US"/>
-          </a:p>
-        </p:txBody>
-      </p:sp>
-      <p:grpSp>
-        <p:nvGrpSpPr>
-          <p:cNvPr id="35" name="그룹 34"/>
-          <p:cNvGrpSpPr/>
+            <a:endParaRPr kumimoji="1" lang="ko-KR" altLang="en-US" sz="10873"/>
+          </a:p>
+        </p:txBody>
+      </p:sp>
+      <p:sp>
+        <p:nvSpPr>
+          <p:cNvPr id="20" name="workshop_info2"/>
+          <p:cNvSpPr txBox="1"/>
           <p:nvPr/>
-        </p:nvGrpSpPr>
-        <p:grpSpPr>
-          <a:xfrm>
-            <a:off x="4955915" y="3432149"/>
-            <a:ext cx="4140000" cy="838220"/>
-            <a:chOff x="0" y="881856"/>
-            <a:chExt cx="21383625" cy="4132969"/>
-          </a:xfrm>
-        </p:grpSpPr>
-        <p:pic>
-          <p:nvPicPr>
-            <p:cNvPr id="36" name="그림 35" descr="flash"/>
-            <p:cNvPicPr/>
-            <p:nvPr/>
-          </p:nvPicPr>
-          <p:blipFill>
-            <a:blip r:embed="rId3"/>
-            <a:srcRect/>
-            <a:stretch>
-              <a:fillRect/>
-            </a:stretch>
-          </p:blipFill>
-          <p:spPr bwMode="auto">
-            <a:xfrm>
-              <a:off x="0" y="881856"/>
-              <a:ext cx="5300982" cy="4132969"/>
-            </a:xfrm>
-            <a:prstGeom prst="rect">
-              <a:avLst/>
-            </a:prstGeom>
-            <a:noFill/>
-            <a:ln w="9525">
-              <a:noFill/>
-              <a:miter lim="800000"/>
-              <a:headEnd/>
-              <a:tailEnd/>
-            </a:ln>
-          </p:spPr>
-        </p:pic>
-        <p:sp>
-          <p:nvSpPr>
-            <p:cNvPr id="37" name="직사각형 36"/>
-            <p:cNvSpPr/>
-            <p:nvPr/>
-          </p:nvSpPr>
-          <p:spPr>
-            <a:xfrm>
-              <a:off x="5300982" y="881856"/>
-              <a:ext cx="16082643" cy="4132969"/>
-            </a:xfrm>
-            <a:prstGeom prst="rect">
-              <a:avLst/>
-            </a:prstGeom>
-            <a:solidFill>
-              <a:srgbClr val="960204"/>
-            </a:solidFill>
-            <a:ln>
-              <a:noFill/>
-            </a:ln>
-          </p:spPr>
-          <p:style>
-            <a:lnRef idx="2">
-              <a:schemeClr val="accent1">
-                <a:shade val="50000"/>
-              </a:schemeClr>
-            </a:lnRef>
-            <a:fillRef idx="1">
-              <a:schemeClr val="accent1"/>
-            </a:fillRef>
-            <a:effectRef idx="0">
-              <a:schemeClr val="accent1"/>
-            </a:effectRef>
-            <a:fontRef idx="minor">
-              <a:schemeClr val="lt1"/>
-            </a:fontRef>
-          </p:style>
-          <p:txBody>
-            <a:bodyPr rtlCol="0" anchor="ctr"/>
-            <a:lstStyle/>
-            <a:p>
-              <a:pPr algn="ctr"/>
-              <a:endParaRPr kumimoji="1" lang="ko-KR" altLang="en-US" sz="10873"/>
-            </a:p>
-          </p:txBody>
-        </p:sp>
-        <p:sp>
-          <p:nvSpPr>
-            <p:cNvPr id="38" name="텍스트 상자 94"/>
-            <p:cNvSpPr txBox="1"/>
-            <p:nvPr/>
-          </p:nvSpPr>
-          <p:spPr>
-            <a:xfrm>
-              <a:off x="5439906" y="897969"/>
-              <a:ext cx="15269773" cy="4097355"/>
-            </a:xfrm>
-            <a:prstGeom prst="rect">
-              <a:avLst/>
-            </a:prstGeom>
-            <a:noFill/>
-          </p:spPr>
-          <p:txBody>
-            <a:bodyPr wrap="square" rtlCol="0">
-              <a:spAutoFit/>
-            </a:bodyPr>
-            <a:lstStyle/>
-            <a:p>
-              <a:pPr marL="0" marR="0" lvl="0" indent="0" algn="l" defTabSz="914400" rtl="0" eaLnBrk="1" fontAlgn="auto" latinLnBrk="1" hangingPunct="1">
-                <a:lnSpc>
-                  <a:spcPct val="100000"/>
-                </a:lnSpc>
-                <a:spcBef>
-                  <a:spcPts val="0"/>
-                </a:spcBef>
-                <a:spcAft>
-                  <a:spcPts val="0"/>
-                </a:spcAft>
-                <a:buClrTx/>
-                <a:buSzTx/>
-                <a:buFontTx/>
-                <a:buNone/>
-                <a:tabLst/>
-                <a:defRPr/>
-              </a:pPr>
-              <a:r>
-                <a:rPr kumimoji="1" lang="en-US" altLang="ko-KR" sz="1800" b="1" i="0" u="none" strike="noStrike" kern="1200" cap="none" spc="0" normalizeH="0" baseline="0" noProof="0" dirty="0" err="1">
-                  <a:ln>
-                    <a:noFill/>
-                  </a:ln>
-                  <a:solidFill>
-                    <a:prstClr val="white"/>
-                  </a:solidFill>
-                  <a:effectLst/>
-                  <a:uLnTx/>
-                  <a:uFillTx/>
-                  <a:latin typeface="Arial" charset="0"/>
-                  <a:ea typeface="Arial" charset="0"/>
-                  <a:cs typeface="Arial" charset="0"/>
-                </a:rPr>
-                <a:t>NVRAMOS</a:t>
-              </a:r>
-              <a:r>
-                <a:rPr kumimoji="1" lang="en-US" altLang="ko-KR" sz="1800" b="1" i="0" u="none" strike="noStrike" kern="1200" cap="none" spc="0" normalizeH="0" baseline="0" noProof="0" dirty="0">
-                  <a:ln>
-                    <a:noFill/>
-                  </a:ln>
-                  <a:solidFill>
-                    <a:prstClr val="white"/>
-                  </a:solidFill>
-                  <a:effectLst/>
-                  <a:uLnTx/>
-                  <a:uFillTx/>
-                  <a:latin typeface="Arial" charset="0"/>
-                  <a:ea typeface="Arial" charset="0"/>
-                  <a:cs typeface="Arial" charset="0"/>
-                </a:rPr>
-                <a:t> </a:t>
-              </a:r>
-              <a:r>
-                <a:rPr kumimoji="1" lang="en-US" altLang="ko-KR" b="1" dirty="0">
-                  <a:solidFill>
-                    <a:schemeClr val="bg1"/>
-                  </a:solidFill>
-                  <a:latin typeface="Arial" charset="0"/>
-                  <a:ea typeface="Arial" charset="0"/>
-                  <a:cs typeface="Arial" charset="0"/>
-                </a:rPr>
-                <a:t>2023</a:t>
-              </a:r>
-              <a:endParaRPr kumimoji="1" lang="en-US" altLang="ko-KR" sz="1800" b="1" i="0" u="none" strike="noStrike" kern="1200" cap="none" spc="0" normalizeH="0" baseline="0" noProof="0" dirty="0">
+        </p:nvSpPr>
+        <p:spPr>
+          <a:xfrm>
+            <a:off x="6009114" y="222399"/>
+            <a:ext cx="2956321" cy="830997"/>
+          </a:xfrm>
+          <a:prstGeom prst="rect">
+            <a:avLst/>
+          </a:prstGeom>
+          <a:noFill/>
+        </p:spPr>
+        <p:txBody>
+          <a:bodyPr wrap="square" rtlCol="0">
+            <a:spAutoFit/>
+          </a:bodyPr>
+          <a:lstStyle/>
+          <a:p>
+            <a:r>
+              <a:rPr kumimoji="1" lang="en-US" altLang="ko-KR" b="1" dirty="0">
+                <a:solidFill>
+                  <a:schemeClr val="bg1"/>
+                </a:solidFill>
+                <a:latin typeface="Arial" charset="0"/>
+                <a:ea typeface="Arial" charset="0"/>
+                <a:cs typeface="Arial" charset="0"/>
+              </a:rPr>
+              <a:t>NVRAMOS 2023</a:t>
+            </a:r>
+          </a:p>
+          <a:p>
+            <a:pPr marL="0" marR="0" lvl="0" indent="0" algn="l" defTabSz="914400" rtl="0" eaLnBrk="1" fontAlgn="auto" latinLnBrk="1" hangingPunct="1">
+              <a:lnSpc>
+                <a:spcPct val="100000"/>
+              </a:lnSpc>
+              <a:spcBef>
+                <a:spcPts val="0"/>
+              </a:spcBef>
+              <a:spcAft>
+                <a:spcPts val="0"/>
+              </a:spcAft>
+              <a:buClrTx/>
+              <a:buSzTx/>
+              <a:buFontTx/>
+              <a:buNone/>
+              <a:tabLst/>
+              <a:defRPr/>
+            </a:pPr>
+            <a:r>
+              <a:rPr kumimoji="1" lang="en-US" altLang="ko-KR" sz="1000" b="1" i="0" u="none" strike="noStrike" kern="1200" cap="none" spc="0" normalizeH="0" baseline="0" noProof="0" dirty="0">
                 <a:ln>
                   <a:noFill/>
                 </a:ln>
@@ -4716,129 +3857,94 @@
                 <a:latin typeface="Arial" charset="0"/>
                 <a:ea typeface="Arial" charset="0"/>
                 <a:cs typeface="Arial" charset="0"/>
-              </a:endParaRPr>
-            </a:p>
-            <a:p>
-              <a:pPr marL="0" marR="0" lvl="0" indent="0" algn="l" defTabSz="914400" rtl="0" eaLnBrk="1" fontAlgn="auto" latinLnBrk="1" hangingPunct="1">
-                <a:lnSpc>
-                  <a:spcPct val="100000"/>
-                </a:lnSpc>
-                <a:spcBef>
-                  <a:spcPts val="0"/>
-                </a:spcBef>
-                <a:spcAft>
-                  <a:spcPts val="0"/>
-                </a:spcAft>
-                <a:buClrTx/>
-                <a:buSzTx/>
-                <a:buFontTx/>
-                <a:buNone/>
-                <a:tabLst/>
-                <a:defRPr/>
-              </a:pPr>
-              <a:r>
-                <a:rPr kumimoji="1" lang="en-US" altLang="ko-KR" sz="1000" b="1" i="0" u="none" strike="noStrike" kern="1200" cap="none" spc="0" normalizeH="0" baseline="0" noProof="0" dirty="0">
-                  <a:ln>
-                    <a:noFill/>
-                  </a:ln>
-                  <a:solidFill>
-                    <a:prstClr val="white"/>
-                  </a:solidFill>
-                  <a:effectLst/>
-                  <a:uLnTx/>
-                  <a:uFillTx/>
-                  <a:latin typeface="Arial" charset="0"/>
-                  <a:ea typeface="Arial" charset="0"/>
-                  <a:cs typeface="Arial" charset="0"/>
-                </a:rPr>
-                <a:t>Workshop on Operating System Support for</a:t>
-              </a:r>
-            </a:p>
-            <a:p>
-              <a:pPr marL="0" marR="0" lvl="0" indent="0" algn="l" defTabSz="914400" rtl="0" eaLnBrk="1" fontAlgn="auto" latinLnBrk="1" hangingPunct="1">
-                <a:lnSpc>
-                  <a:spcPct val="100000"/>
-                </a:lnSpc>
-                <a:spcBef>
-                  <a:spcPts val="0"/>
-                </a:spcBef>
-                <a:spcAft>
-                  <a:spcPts val="0"/>
-                </a:spcAft>
-                <a:buClrTx/>
-                <a:buSzTx/>
-                <a:buFontTx/>
-                <a:buNone/>
-                <a:tabLst/>
-                <a:defRPr/>
-              </a:pPr>
-              <a:r>
-                <a:rPr kumimoji="1" lang="en-US" altLang="ko-KR" sz="1000" b="1" i="0" u="none" strike="noStrike" kern="1200" cap="none" spc="0" normalizeH="0" baseline="0" noProof="0" dirty="0">
-                  <a:ln>
-                    <a:noFill/>
-                  </a:ln>
-                  <a:solidFill>
-                    <a:prstClr val="white"/>
-                  </a:solidFill>
-                  <a:effectLst/>
-                  <a:uLnTx/>
-                  <a:uFillTx/>
-                  <a:latin typeface="Arial" charset="0"/>
-                  <a:ea typeface="Arial" charset="0"/>
-                  <a:cs typeface="Arial" charset="0"/>
-                </a:rPr>
-                <a:t>Next Generation Large Scale NVRAM</a:t>
-              </a:r>
-            </a:p>
-            <a:p>
-              <a:r>
-                <a:rPr kumimoji="1" lang="en-US" altLang="ko-KR" sz="1000" b="1" dirty="0">
-                  <a:solidFill>
-                    <a:schemeClr val="bg1"/>
-                  </a:solidFill>
-                  <a:latin typeface="Arial" charset="0"/>
-                  <a:ea typeface="Arial" charset="0"/>
-                  <a:cs typeface="Arial" charset="0"/>
-                </a:rPr>
-                <a:t>Oct 19-21, 2023, </a:t>
-              </a:r>
-              <a:r>
-                <a:rPr kumimoji="1" lang="en-US" altLang="ko-KR" sz="1000" b="1" dirty="0" err="1">
-                  <a:solidFill>
-                    <a:schemeClr val="bg1"/>
-                  </a:solidFill>
-                  <a:latin typeface="Arial" charset="0"/>
-                  <a:ea typeface="Arial" charset="0"/>
-                  <a:cs typeface="Arial" charset="0"/>
-                </a:rPr>
-                <a:t>Jeju</a:t>
-              </a:r>
-              <a:r>
-                <a:rPr kumimoji="1" lang="en-US" altLang="ko-KR" sz="1000" b="1" dirty="0">
-                  <a:solidFill>
-                    <a:schemeClr val="bg1"/>
-                  </a:solidFill>
-                  <a:latin typeface="Arial" charset="0"/>
-                  <a:ea typeface="Arial" charset="0"/>
-                  <a:cs typeface="Arial" charset="0"/>
-                </a:rPr>
-                <a:t>, Korea</a:t>
-              </a:r>
-              <a:endParaRPr kumimoji="1" lang="ko-KR" altLang="en-US" sz="1000" b="1" dirty="0">
+              </a:rPr>
+              <a:t>Workshop on Operating System Support for</a:t>
+            </a:r>
+          </a:p>
+          <a:p>
+            <a:pPr marL="0" marR="0" lvl="0" indent="0" algn="l" defTabSz="914400" rtl="0" eaLnBrk="1" fontAlgn="auto" latinLnBrk="1" hangingPunct="1">
+              <a:lnSpc>
+                <a:spcPct val="100000"/>
+              </a:lnSpc>
+              <a:spcBef>
+                <a:spcPts val="0"/>
+              </a:spcBef>
+              <a:spcAft>
+                <a:spcPts val="0"/>
+              </a:spcAft>
+              <a:buClrTx/>
+              <a:buSzTx/>
+              <a:buFontTx/>
+              <a:buNone/>
+              <a:tabLst/>
+              <a:defRPr/>
+            </a:pPr>
+            <a:r>
+              <a:rPr kumimoji="1" lang="en-US" altLang="ko-KR" sz="1000" b="1" i="0" u="none" strike="noStrike" kern="1200" cap="none" spc="0" normalizeH="0" baseline="0" noProof="0" dirty="0">
+                <a:ln>
+                  <a:noFill/>
+                </a:ln>
+                <a:solidFill>
+                  <a:prstClr val="white"/>
+                </a:solidFill>
+                <a:effectLst/>
+                <a:uLnTx/>
+                <a:uFillTx/>
+                <a:latin typeface="Arial" charset="0"/>
+                <a:ea typeface="Arial" charset="0"/>
+                <a:cs typeface="Arial" charset="0"/>
+              </a:rPr>
+              <a:t>Next Generation Large Scale NVRAM</a:t>
+            </a:r>
+          </a:p>
+          <a:p>
+            <a:r>
+              <a:rPr kumimoji="1" lang="en-US" altLang="ko-KR" sz="1000" b="1" dirty="0">
                 <a:solidFill>
                   <a:schemeClr val="bg1"/>
                 </a:solidFill>
                 <a:latin typeface="Arial" charset="0"/>
                 <a:ea typeface="Arial" charset="0"/>
                 <a:cs typeface="Arial" charset="0"/>
-              </a:endParaRPr>
-            </a:p>
-          </p:txBody>
-        </p:sp>
-      </p:grpSp>
+              </a:rPr>
+              <a:t>Oct 19-21, 2023, </a:t>
+            </a:r>
+            <a:r>
+              <a:rPr kumimoji="1" lang="en-US" altLang="ko-KR" sz="1000" b="1" dirty="0" err="1">
+                <a:solidFill>
+                  <a:schemeClr val="bg1"/>
+                </a:solidFill>
+                <a:latin typeface="Arial" charset="0"/>
+                <a:ea typeface="Arial" charset="0"/>
+                <a:cs typeface="Arial" charset="0"/>
+              </a:rPr>
+              <a:t>Jeju</a:t>
+            </a:r>
+            <a:r>
+              <a:rPr kumimoji="1" lang="en-US" altLang="ko-KR" sz="1000" b="1" dirty="0">
+                <a:solidFill>
+                  <a:schemeClr val="bg1"/>
+                </a:solidFill>
+                <a:latin typeface="Arial" charset="0"/>
+                <a:ea typeface="Arial" charset="0"/>
+                <a:cs typeface="Arial" charset="0"/>
+              </a:rPr>
+              <a:t>, Korea</a:t>
+            </a:r>
+            <a:endParaRPr kumimoji="1" lang="ko-KR" altLang="en-US" sz="1000" b="1" dirty="0">
+              <a:solidFill>
+                <a:schemeClr val="bg1"/>
+              </a:solidFill>
+              <a:latin typeface="Arial" charset="0"/>
+              <a:ea typeface="Arial" charset="0"/>
+              <a:cs typeface="Arial" charset="0"/>
+            </a:endParaRPr>
+          </a:p>
+        </p:txBody>
+      </p:sp>
       <p:pic>
         <p:nvPicPr>
-          <p:cNvPr id="39" name="그림 38"/>
+          <p:cNvPr id="21" name="comsys_logo2"/>
           <p:cNvPicPr>
             <a:picLocks noChangeAspect="1"/>
           </p:cNvPicPr>
@@ -4852,7 +3958,7 @@
         </p:blipFill>
         <p:spPr>
           <a:xfrm>
-            <a:off x="5030426" y="4470043"/>
+            <a:off x="5030426" y="1257025"/>
             <a:ext cx="1428979" cy="374056"/>
           </a:xfrm>
           <a:prstGeom prst="rect">
@@ -4862,13 +3968,13 @@
       </p:pic>
       <p:sp>
         <p:nvSpPr>
-          <p:cNvPr id="40" name="직사각형 39"/>
+          <p:cNvPr id="22" name="직사각형 21"/>
           <p:cNvSpPr/>
           <p:nvPr/>
         </p:nvSpPr>
         <p:spPr>
           <a:xfrm>
-            <a:off x="4955915" y="4275272"/>
+            <a:off x="4955915" y="1062254"/>
             <a:ext cx="1298753" cy="261610"/>
           </a:xfrm>
           <a:prstGeom prst="rect">
@@ -4893,7 +3999,7 @@
       </p:sp>
       <p:pic>
         <p:nvPicPr>
-          <p:cNvPr id="41" name="그림 40"/>
+          <p:cNvPr id="23" name="ksc_logo2"/>
           <p:cNvPicPr>
             <a:picLocks noChangeAspect="1"/>
           </p:cNvPicPr>
@@ -4907,7 +4013,7 @@
         </p:blipFill>
         <p:spPr>
           <a:xfrm>
-            <a:off x="7539066" y="4318557"/>
+            <a:off x="7539066" y="1105539"/>
             <a:ext cx="1504454" cy="436649"/>
           </a:xfrm>
           <a:prstGeom prst="rect">
@@ -4915,344 +4021,1136 @@
           </a:prstGeom>
         </p:spPr>
       </p:pic>
-      <p:grpSp>
-        <p:nvGrpSpPr>
-          <p:cNvPr id="48" name="그룹 47">
+      <p:sp>
+        <p:nvSpPr>
+          <p:cNvPr id="25" name="직사각형 24"/>
+          <p:cNvSpPr/>
+          <p:nvPr/>
+        </p:nvSpPr>
+        <p:spPr>
+          <a:xfrm>
+            <a:off x="816687" y="3432148"/>
+            <a:ext cx="4140000" cy="3204000"/>
+          </a:xfrm>
+          <a:prstGeom prst="rect">
+            <a:avLst/>
+          </a:prstGeom>
+          <a:noFill/>
+          <a:ln w="3175">
+            <a:solidFill>
+              <a:schemeClr val="tx1"/>
+            </a:solidFill>
+          </a:ln>
+        </p:spPr>
+        <p:style>
+          <a:lnRef idx="2">
+            <a:schemeClr val="accent1">
+              <a:shade val="50000"/>
+            </a:schemeClr>
+          </a:lnRef>
+          <a:fillRef idx="1">
+            <a:schemeClr val="accent1"/>
+          </a:fillRef>
+          <a:effectRef idx="0">
+            <a:schemeClr val="accent1"/>
+          </a:effectRef>
+          <a:fontRef idx="minor">
+            <a:schemeClr val="lt1"/>
+          </a:fontRef>
+        </p:style>
+        <p:txBody>
+          <a:bodyPr rtlCol="0" anchor="ctr"/>
+          <a:lstStyle/>
+          <a:p>
+            <a:pPr algn="ctr"/>
+            <a:endParaRPr kumimoji="1" lang="ko-KR" altLang="en-US"/>
+          </a:p>
+        </p:txBody>
+      </p:sp>
+      <p:pic>
+        <p:nvPicPr>
+          <p:cNvPr id="27" name="nvramos_logo3" descr="flash"/>
+          <p:cNvPicPr/>
+          <p:nvPr/>
+        </p:nvPicPr>
+        <p:blipFill>
+          <a:blip r:embed="rId3"/>
+          <a:srcRect/>
+          <a:stretch>
+            <a:fillRect/>
+          </a:stretch>
+        </p:blipFill>
+        <p:spPr bwMode="auto">
+          <a:xfrm>
+            <a:off x="816687" y="3432149"/>
+            <a:ext cx="1026302" cy="838220"/>
+          </a:xfrm>
+          <a:prstGeom prst="rect">
+            <a:avLst/>
+          </a:prstGeom>
+          <a:noFill/>
+          <a:ln w="9525">
+            <a:noFill/>
+            <a:miter lim="800000"/>
+            <a:headEnd/>
+            <a:tailEnd/>
+          </a:ln>
+        </p:spPr>
+      </p:pic>
+      <p:sp>
+        <p:nvSpPr>
+          <p:cNvPr id="28" name="직사각형"/>
+          <p:cNvSpPr/>
+          <p:nvPr/>
+        </p:nvSpPr>
+        <p:spPr>
+          <a:xfrm>
+            <a:off x="1842989" y="3432149"/>
+            <a:ext cx="3113698" cy="838220"/>
+          </a:xfrm>
+          <a:prstGeom prst="rect">
+            <a:avLst/>
+          </a:prstGeom>
+          <a:solidFill>
+            <a:srgbClr val="960204"/>
+          </a:solidFill>
+          <a:ln>
+            <a:noFill/>
+          </a:ln>
+        </p:spPr>
+        <p:style>
+          <a:lnRef idx="2">
+            <a:schemeClr val="accent1">
+              <a:shade val="50000"/>
+            </a:schemeClr>
+          </a:lnRef>
+          <a:fillRef idx="1">
+            <a:schemeClr val="accent1"/>
+          </a:fillRef>
+          <a:effectRef idx="0">
+            <a:schemeClr val="accent1"/>
+          </a:effectRef>
+          <a:fontRef idx="minor">
+            <a:schemeClr val="lt1"/>
+          </a:fontRef>
+        </p:style>
+        <p:txBody>
+          <a:bodyPr rtlCol="0" anchor="ctr"/>
+          <a:lstStyle/>
+          <a:p>
+            <a:pPr algn="ctr"/>
+            <a:endParaRPr kumimoji="1" lang="ko-KR" altLang="en-US" sz="10873"/>
+          </a:p>
+        </p:txBody>
+      </p:sp>
+      <p:sp>
+        <p:nvSpPr>
+          <p:cNvPr id="29" name="workshop_info3"/>
+          <p:cNvSpPr txBox="1"/>
+          <p:nvPr/>
+        </p:nvSpPr>
+        <p:spPr>
+          <a:xfrm>
+            <a:off x="1869886" y="3435417"/>
+            <a:ext cx="2956321" cy="830997"/>
+          </a:xfrm>
+          <a:prstGeom prst="rect">
+            <a:avLst/>
+          </a:prstGeom>
+          <a:noFill/>
+        </p:spPr>
+        <p:txBody>
+          <a:bodyPr wrap="square" rtlCol="0">
+            <a:spAutoFit/>
+          </a:bodyPr>
+          <a:lstStyle/>
+          <a:p>
+            <a:pPr marL="0" marR="0" lvl="0" indent="0" algn="l" defTabSz="914400" rtl="0" eaLnBrk="1" fontAlgn="auto" latinLnBrk="1" hangingPunct="1">
+              <a:lnSpc>
+                <a:spcPct val="100000"/>
+              </a:lnSpc>
+              <a:spcBef>
+                <a:spcPts val="0"/>
+              </a:spcBef>
+              <a:spcAft>
+                <a:spcPts val="0"/>
+              </a:spcAft>
+              <a:buClrTx/>
+              <a:buSzTx/>
+              <a:buFontTx/>
+              <a:buNone/>
+              <a:tabLst/>
+              <a:defRPr/>
+            </a:pPr>
+            <a:r>
+              <a:rPr kumimoji="1" lang="en-US" altLang="ko-KR" sz="1800" b="1" i="0" u="none" strike="noStrike" kern="1200" cap="none" spc="0" normalizeH="0" baseline="0" noProof="0" dirty="0" err="1">
+                <a:ln>
+                  <a:noFill/>
+                </a:ln>
+                <a:solidFill>
+                  <a:prstClr val="white"/>
+                </a:solidFill>
+                <a:effectLst/>
+                <a:uLnTx/>
+                <a:uFillTx/>
+                <a:latin typeface="Arial" charset="0"/>
+                <a:ea typeface="Arial" charset="0"/>
+                <a:cs typeface="Arial" charset="0"/>
+              </a:rPr>
+              <a:t>NVRAMOS</a:t>
+            </a:r>
+            <a:r>
+              <a:rPr kumimoji="1" lang="en-US" altLang="ko-KR" sz="1800" b="1" i="0" u="none" strike="noStrike" kern="1200" cap="none" spc="0" normalizeH="0" baseline="0" noProof="0" dirty="0">
+                <a:ln>
+                  <a:noFill/>
+                </a:ln>
+                <a:solidFill>
+                  <a:prstClr val="white"/>
+                </a:solidFill>
+                <a:effectLst/>
+                <a:uLnTx/>
+                <a:uFillTx/>
+                <a:latin typeface="Arial" charset="0"/>
+                <a:ea typeface="Arial" charset="0"/>
+                <a:cs typeface="Arial" charset="0"/>
+              </a:rPr>
+              <a:t> </a:t>
+            </a:r>
+            <a:r>
+              <a:rPr kumimoji="1" lang="en-US" altLang="ko-KR" b="1" dirty="0">
+                <a:solidFill>
+                  <a:schemeClr val="bg1"/>
+                </a:solidFill>
+                <a:latin typeface="Arial" charset="0"/>
+                <a:ea typeface="Arial" charset="0"/>
+                <a:cs typeface="Arial" charset="0"/>
+              </a:rPr>
+              <a:t>2023</a:t>
+            </a:r>
+            <a:endParaRPr kumimoji="1" lang="en-US" altLang="ko-KR" sz="1800" b="1" i="0" u="none" strike="noStrike" kern="1200" cap="none" spc="0" normalizeH="0" baseline="0" noProof="0" dirty="0">
+              <a:ln>
+                <a:noFill/>
+              </a:ln>
+              <a:solidFill>
+                <a:prstClr val="white"/>
+              </a:solidFill>
+              <a:effectLst/>
+              <a:uLnTx/>
+              <a:uFillTx/>
+              <a:latin typeface="Arial" charset="0"/>
+              <a:ea typeface="Arial" charset="0"/>
+              <a:cs typeface="Arial" charset="0"/>
+            </a:endParaRPr>
+          </a:p>
+          <a:p>
+            <a:pPr marL="0" marR="0" lvl="0" indent="0" algn="l" defTabSz="914400" rtl="0" eaLnBrk="1" fontAlgn="auto" latinLnBrk="1" hangingPunct="1">
+              <a:lnSpc>
+                <a:spcPct val="100000"/>
+              </a:lnSpc>
+              <a:spcBef>
+                <a:spcPts val="0"/>
+              </a:spcBef>
+              <a:spcAft>
+                <a:spcPts val="0"/>
+              </a:spcAft>
+              <a:buClrTx/>
+              <a:buSzTx/>
+              <a:buFontTx/>
+              <a:buNone/>
+              <a:tabLst/>
+              <a:defRPr/>
+            </a:pPr>
+            <a:r>
+              <a:rPr kumimoji="1" lang="en-US" altLang="ko-KR" sz="1000" b="1" i="0" u="none" strike="noStrike" kern="1200" cap="none" spc="0" normalizeH="0" baseline="0" noProof="0" dirty="0">
+                <a:ln>
+                  <a:noFill/>
+                </a:ln>
+                <a:solidFill>
+                  <a:prstClr val="white"/>
+                </a:solidFill>
+                <a:effectLst/>
+                <a:uLnTx/>
+                <a:uFillTx/>
+                <a:latin typeface="Arial" charset="0"/>
+                <a:ea typeface="Arial" charset="0"/>
+                <a:cs typeface="Arial" charset="0"/>
+              </a:rPr>
+              <a:t>Workshop on Operating System Support for</a:t>
+            </a:r>
+          </a:p>
+          <a:p>
+            <a:pPr marL="0" marR="0" lvl="0" indent="0" algn="l" defTabSz="914400" rtl="0" eaLnBrk="1" fontAlgn="auto" latinLnBrk="1" hangingPunct="1">
+              <a:lnSpc>
+                <a:spcPct val="100000"/>
+              </a:lnSpc>
+              <a:spcBef>
+                <a:spcPts val="0"/>
+              </a:spcBef>
+              <a:spcAft>
+                <a:spcPts val="0"/>
+              </a:spcAft>
+              <a:buClrTx/>
+              <a:buSzTx/>
+              <a:buFontTx/>
+              <a:buNone/>
+              <a:tabLst/>
+              <a:defRPr/>
+            </a:pPr>
+            <a:r>
+              <a:rPr kumimoji="1" lang="en-US" altLang="ko-KR" sz="1000" b="1" i="0" u="none" strike="noStrike" kern="1200" cap="none" spc="0" normalizeH="0" baseline="0" noProof="0" dirty="0">
+                <a:ln>
+                  <a:noFill/>
+                </a:ln>
+                <a:solidFill>
+                  <a:prstClr val="white"/>
+                </a:solidFill>
+                <a:effectLst/>
+                <a:uLnTx/>
+                <a:uFillTx/>
+                <a:latin typeface="Arial" charset="0"/>
+                <a:ea typeface="Arial" charset="0"/>
+                <a:cs typeface="Arial" charset="0"/>
+              </a:rPr>
+              <a:t>Next Generation Large Scale NVRAM</a:t>
+            </a:r>
+          </a:p>
+          <a:p>
+            <a:r>
+              <a:rPr kumimoji="1" lang="en-US" altLang="ko-KR" sz="1000" b="1" dirty="0">
+                <a:solidFill>
+                  <a:schemeClr val="bg1"/>
+                </a:solidFill>
+                <a:latin typeface="Arial" charset="0"/>
+                <a:ea typeface="Arial" charset="0"/>
+                <a:cs typeface="Arial" charset="0"/>
+              </a:rPr>
+              <a:t>Oct 19-21, 2023, </a:t>
+            </a:r>
+            <a:r>
+              <a:rPr kumimoji="1" lang="en-US" altLang="ko-KR" sz="1000" b="1" dirty="0" err="1">
+                <a:solidFill>
+                  <a:schemeClr val="bg1"/>
+                </a:solidFill>
+                <a:latin typeface="Arial" charset="0"/>
+                <a:ea typeface="Arial" charset="0"/>
+                <a:cs typeface="Arial" charset="0"/>
+              </a:rPr>
+              <a:t>Jeju</a:t>
+            </a:r>
+            <a:r>
+              <a:rPr kumimoji="1" lang="en-US" altLang="ko-KR" sz="1000" b="1" dirty="0">
+                <a:solidFill>
+                  <a:schemeClr val="bg1"/>
+                </a:solidFill>
+                <a:latin typeface="Arial" charset="0"/>
+                <a:ea typeface="Arial" charset="0"/>
+                <a:cs typeface="Arial" charset="0"/>
+              </a:rPr>
+              <a:t>, Korea</a:t>
+            </a:r>
+            <a:endParaRPr kumimoji="1" lang="ko-KR" altLang="en-US" sz="1000" b="1" dirty="0">
+              <a:solidFill>
+                <a:schemeClr val="bg1"/>
+              </a:solidFill>
+              <a:latin typeface="Arial" charset="0"/>
+              <a:ea typeface="Arial" charset="0"/>
+              <a:cs typeface="Arial" charset="0"/>
+            </a:endParaRPr>
+          </a:p>
+        </p:txBody>
+      </p:sp>
+      <p:pic>
+        <p:nvPicPr>
+          <p:cNvPr id="30" name="comsys_logo3"/>
+          <p:cNvPicPr>
+            <a:picLocks noChangeAspect="1"/>
+          </p:cNvPicPr>
+          <p:nvPr/>
+        </p:nvPicPr>
+        <p:blipFill>
+          <a:blip r:embed="rId4"/>
+          <a:stretch>
+            <a:fillRect/>
+          </a:stretch>
+        </p:blipFill>
+        <p:spPr>
+          <a:xfrm>
+            <a:off x="891198" y="4466774"/>
+            <a:ext cx="1428979" cy="374056"/>
+          </a:xfrm>
+          <a:prstGeom prst="rect">
+            <a:avLst/>
+          </a:prstGeom>
+        </p:spPr>
+      </p:pic>
+      <p:sp>
+        <p:nvSpPr>
+          <p:cNvPr id="31" name="직사각형 30"/>
+          <p:cNvSpPr/>
+          <p:nvPr/>
+        </p:nvSpPr>
+        <p:spPr>
+          <a:xfrm>
+            <a:off x="816687" y="4272003"/>
+            <a:ext cx="1298753" cy="261610"/>
+          </a:xfrm>
+          <a:prstGeom prst="rect">
+            <a:avLst/>
+          </a:prstGeom>
+        </p:spPr>
+        <p:txBody>
+          <a:bodyPr wrap="none">
+            <a:spAutoFit/>
+          </a:bodyPr>
+          <a:lstStyle/>
+          <a:p>
+            <a:r>
+              <a:rPr kumimoji="1" lang="en-US" altLang="ko-KR" sz="1050" b="1" dirty="0">
+                <a:latin typeface="+mj-ea"/>
+              </a:rPr>
+              <a:t>KIISE SIGFAST &amp;</a:t>
+            </a:r>
+            <a:endParaRPr lang="ko-KR" altLang="en-US" sz="1050" dirty="0"/>
+          </a:p>
+        </p:txBody>
+      </p:sp>
+      <p:pic>
+        <p:nvPicPr>
+          <p:cNvPr id="32" name="ksc_logo3"/>
+          <p:cNvPicPr>
+            <a:picLocks noChangeAspect="1"/>
+          </p:cNvPicPr>
+          <p:nvPr/>
+        </p:nvPicPr>
+        <p:blipFill>
+          <a:blip r:embed="rId5"/>
+          <a:stretch>
+            <a:fillRect/>
+          </a:stretch>
+        </p:blipFill>
+        <p:spPr>
+          <a:xfrm>
+            <a:off x="3399838" y="4315288"/>
+            <a:ext cx="1504454" cy="436649"/>
+          </a:xfrm>
+          <a:prstGeom prst="rect">
+            <a:avLst/>
+          </a:prstGeom>
+        </p:spPr>
+      </p:pic>
+      <p:sp>
+        <p:nvSpPr>
+          <p:cNvPr id="34" name="직사각형 33"/>
+          <p:cNvSpPr/>
+          <p:nvPr/>
+        </p:nvSpPr>
+        <p:spPr>
+          <a:xfrm>
+            <a:off x="4955915" y="3432148"/>
+            <a:ext cx="4140000" cy="3204000"/>
+          </a:xfrm>
+          <a:prstGeom prst="rect">
+            <a:avLst/>
+          </a:prstGeom>
+          <a:noFill/>
+          <a:ln w="3175">
+            <a:solidFill>
+              <a:schemeClr val="tx1"/>
+            </a:solidFill>
+          </a:ln>
+        </p:spPr>
+        <p:style>
+          <a:lnRef idx="2">
+            <a:schemeClr val="accent1">
+              <a:shade val="50000"/>
+            </a:schemeClr>
+          </a:lnRef>
+          <a:fillRef idx="1">
+            <a:schemeClr val="accent1"/>
+          </a:fillRef>
+          <a:effectRef idx="0">
+            <a:schemeClr val="accent1"/>
+          </a:effectRef>
+          <a:fontRef idx="minor">
+            <a:schemeClr val="lt1"/>
+          </a:fontRef>
+        </p:style>
+        <p:txBody>
+          <a:bodyPr rtlCol="0" anchor="ctr"/>
+          <a:lstStyle/>
+          <a:p>
+            <a:pPr algn="ctr"/>
+            <a:endParaRPr kumimoji="1" lang="ko-KR" altLang="en-US"/>
+          </a:p>
+        </p:txBody>
+      </p:sp>
+      <p:pic>
+        <p:nvPicPr>
+          <p:cNvPr id="36" name="nvramos_logo4" descr="flash"/>
+          <p:cNvPicPr/>
+          <p:nvPr/>
+        </p:nvPicPr>
+        <p:blipFill>
+          <a:blip r:embed="rId3"/>
+          <a:srcRect/>
+          <a:stretch>
+            <a:fillRect/>
+          </a:stretch>
+        </p:blipFill>
+        <p:spPr bwMode="auto">
+          <a:xfrm>
+            <a:off x="4955915" y="3432149"/>
+            <a:ext cx="1026302" cy="838220"/>
+          </a:xfrm>
+          <a:prstGeom prst="rect">
+            <a:avLst/>
+          </a:prstGeom>
+          <a:noFill/>
+          <a:ln w="9525">
+            <a:noFill/>
+            <a:miter lim="800000"/>
+            <a:headEnd/>
+            <a:tailEnd/>
+          </a:ln>
+        </p:spPr>
+      </p:pic>
+      <p:sp>
+        <p:nvSpPr>
+          <p:cNvPr id="37" name="직사각형 36"/>
+          <p:cNvSpPr/>
+          <p:nvPr/>
+        </p:nvSpPr>
+        <p:spPr>
+          <a:xfrm>
+            <a:off x="5982217" y="3432149"/>
+            <a:ext cx="3113698" cy="838220"/>
+          </a:xfrm>
+          <a:prstGeom prst="rect">
+            <a:avLst/>
+          </a:prstGeom>
+          <a:solidFill>
+            <a:srgbClr val="960204"/>
+          </a:solidFill>
+          <a:ln>
+            <a:noFill/>
+          </a:ln>
+        </p:spPr>
+        <p:style>
+          <a:lnRef idx="2">
+            <a:schemeClr val="accent1">
+              <a:shade val="50000"/>
+            </a:schemeClr>
+          </a:lnRef>
+          <a:fillRef idx="1">
+            <a:schemeClr val="accent1"/>
+          </a:fillRef>
+          <a:effectRef idx="0">
+            <a:schemeClr val="accent1"/>
+          </a:effectRef>
+          <a:fontRef idx="minor">
+            <a:schemeClr val="lt1"/>
+          </a:fontRef>
+        </p:style>
+        <p:txBody>
+          <a:bodyPr rtlCol="0" anchor="ctr"/>
+          <a:lstStyle/>
+          <a:p>
+            <a:pPr algn="ctr"/>
+            <a:endParaRPr kumimoji="1" lang="ko-KR" altLang="en-US" sz="10873"/>
+          </a:p>
+        </p:txBody>
+      </p:sp>
+      <p:sp>
+        <p:nvSpPr>
+          <p:cNvPr id="38" name="workshop_info4"/>
+          <p:cNvSpPr txBox="1"/>
+          <p:nvPr/>
+        </p:nvSpPr>
+        <p:spPr>
+          <a:xfrm>
+            <a:off x="6009114" y="3435417"/>
+            <a:ext cx="2956321" cy="830997"/>
+          </a:xfrm>
+          <a:prstGeom prst="rect">
+            <a:avLst/>
+          </a:prstGeom>
+          <a:noFill/>
+        </p:spPr>
+        <p:txBody>
+          <a:bodyPr wrap="square" rtlCol="0">
+            <a:spAutoFit/>
+          </a:bodyPr>
+          <a:lstStyle/>
+          <a:p>
+            <a:pPr marL="0" marR="0" lvl="0" indent="0" algn="l" defTabSz="914400" rtl="0" eaLnBrk="1" fontAlgn="auto" latinLnBrk="1" hangingPunct="1">
+              <a:lnSpc>
+                <a:spcPct val="100000"/>
+              </a:lnSpc>
+              <a:spcBef>
+                <a:spcPts val="0"/>
+              </a:spcBef>
+              <a:spcAft>
+                <a:spcPts val="0"/>
+              </a:spcAft>
+              <a:buClrTx/>
+              <a:buSzTx/>
+              <a:buFontTx/>
+              <a:buNone/>
+              <a:tabLst/>
+              <a:defRPr/>
+            </a:pPr>
+            <a:r>
+              <a:rPr kumimoji="1" lang="en-US" altLang="ko-KR" sz="1800" b="1" i="0" u="none" strike="noStrike" kern="1200" cap="none" spc="0" normalizeH="0" baseline="0" noProof="0" dirty="0" err="1">
+                <a:ln>
+                  <a:noFill/>
+                </a:ln>
+                <a:solidFill>
+                  <a:prstClr val="white"/>
+                </a:solidFill>
+                <a:effectLst/>
+                <a:uLnTx/>
+                <a:uFillTx/>
+                <a:latin typeface="Arial" charset="0"/>
+                <a:ea typeface="Arial" charset="0"/>
+                <a:cs typeface="Arial" charset="0"/>
+              </a:rPr>
+              <a:t>NVRAMOS</a:t>
+            </a:r>
+            <a:r>
+              <a:rPr kumimoji="1" lang="en-US" altLang="ko-KR" sz="1800" b="1" i="0" u="none" strike="noStrike" kern="1200" cap="none" spc="0" normalizeH="0" baseline="0" noProof="0" dirty="0">
+                <a:ln>
+                  <a:noFill/>
+                </a:ln>
+                <a:solidFill>
+                  <a:prstClr val="white"/>
+                </a:solidFill>
+                <a:effectLst/>
+                <a:uLnTx/>
+                <a:uFillTx/>
+                <a:latin typeface="Arial" charset="0"/>
+                <a:ea typeface="Arial" charset="0"/>
+                <a:cs typeface="Arial" charset="0"/>
+              </a:rPr>
+              <a:t> </a:t>
+            </a:r>
+            <a:r>
+              <a:rPr kumimoji="1" lang="en-US" altLang="ko-KR" b="1" dirty="0">
+                <a:solidFill>
+                  <a:schemeClr val="bg1"/>
+                </a:solidFill>
+                <a:latin typeface="Arial" charset="0"/>
+                <a:ea typeface="Arial" charset="0"/>
+                <a:cs typeface="Arial" charset="0"/>
+              </a:rPr>
+              <a:t>2023</a:t>
+            </a:r>
+            <a:endParaRPr kumimoji="1" lang="en-US" altLang="ko-KR" sz="1800" b="1" i="0" u="none" strike="noStrike" kern="1200" cap="none" spc="0" normalizeH="0" baseline="0" noProof="0" dirty="0">
+              <a:ln>
+                <a:noFill/>
+              </a:ln>
+              <a:solidFill>
+                <a:prstClr val="white"/>
+              </a:solidFill>
+              <a:effectLst/>
+              <a:uLnTx/>
+              <a:uFillTx/>
+              <a:latin typeface="Arial" charset="0"/>
+              <a:ea typeface="Arial" charset="0"/>
+              <a:cs typeface="Arial" charset="0"/>
+            </a:endParaRPr>
+          </a:p>
+          <a:p>
+            <a:pPr marL="0" marR="0" lvl="0" indent="0" algn="l" defTabSz="914400" rtl="0" eaLnBrk="1" fontAlgn="auto" latinLnBrk="1" hangingPunct="1">
+              <a:lnSpc>
+                <a:spcPct val="100000"/>
+              </a:lnSpc>
+              <a:spcBef>
+                <a:spcPts val="0"/>
+              </a:spcBef>
+              <a:spcAft>
+                <a:spcPts val="0"/>
+              </a:spcAft>
+              <a:buClrTx/>
+              <a:buSzTx/>
+              <a:buFontTx/>
+              <a:buNone/>
+              <a:tabLst/>
+              <a:defRPr/>
+            </a:pPr>
+            <a:r>
+              <a:rPr kumimoji="1" lang="en-US" altLang="ko-KR" sz="1000" b="1" i="0" u="none" strike="noStrike" kern="1200" cap="none" spc="0" normalizeH="0" baseline="0" noProof="0" dirty="0">
+                <a:ln>
+                  <a:noFill/>
+                </a:ln>
+                <a:solidFill>
+                  <a:prstClr val="white"/>
+                </a:solidFill>
+                <a:effectLst/>
+                <a:uLnTx/>
+                <a:uFillTx/>
+                <a:latin typeface="Arial" charset="0"/>
+                <a:ea typeface="Arial" charset="0"/>
+                <a:cs typeface="Arial" charset="0"/>
+              </a:rPr>
+              <a:t>Workshop on Operating System Support for</a:t>
+            </a:r>
+          </a:p>
+          <a:p>
+            <a:pPr marL="0" marR="0" lvl="0" indent="0" algn="l" defTabSz="914400" rtl="0" eaLnBrk="1" fontAlgn="auto" latinLnBrk="1" hangingPunct="1">
+              <a:lnSpc>
+                <a:spcPct val="100000"/>
+              </a:lnSpc>
+              <a:spcBef>
+                <a:spcPts val="0"/>
+              </a:spcBef>
+              <a:spcAft>
+                <a:spcPts val="0"/>
+              </a:spcAft>
+              <a:buClrTx/>
+              <a:buSzTx/>
+              <a:buFontTx/>
+              <a:buNone/>
+              <a:tabLst/>
+              <a:defRPr/>
+            </a:pPr>
+            <a:r>
+              <a:rPr kumimoji="1" lang="en-US" altLang="ko-KR" sz="1000" b="1" i="0" u="none" strike="noStrike" kern="1200" cap="none" spc="0" normalizeH="0" baseline="0" noProof="0" dirty="0">
+                <a:ln>
+                  <a:noFill/>
+                </a:ln>
+                <a:solidFill>
+                  <a:prstClr val="white"/>
+                </a:solidFill>
+                <a:effectLst/>
+                <a:uLnTx/>
+                <a:uFillTx/>
+                <a:latin typeface="Arial" charset="0"/>
+                <a:ea typeface="Arial" charset="0"/>
+                <a:cs typeface="Arial" charset="0"/>
+              </a:rPr>
+              <a:t>Next Generation Large Scale NVRAM</a:t>
+            </a:r>
+          </a:p>
+          <a:p>
+            <a:r>
+              <a:rPr kumimoji="1" lang="en-US" altLang="ko-KR" sz="1000" b="1" dirty="0">
+                <a:solidFill>
+                  <a:schemeClr val="bg1"/>
+                </a:solidFill>
+                <a:latin typeface="Arial" charset="0"/>
+                <a:ea typeface="Arial" charset="0"/>
+                <a:cs typeface="Arial" charset="0"/>
+              </a:rPr>
+              <a:t>Oct 19-21, 2023, </a:t>
+            </a:r>
+            <a:r>
+              <a:rPr kumimoji="1" lang="en-US" altLang="ko-KR" sz="1000" b="1" dirty="0" err="1">
+                <a:solidFill>
+                  <a:schemeClr val="bg1"/>
+                </a:solidFill>
+                <a:latin typeface="Arial" charset="0"/>
+                <a:ea typeface="Arial" charset="0"/>
+                <a:cs typeface="Arial" charset="0"/>
+              </a:rPr>
+              <a:t>Jeju</a:t>
+            </a:r>
+            <a:r>
+              <a:rPr kumimoji="1" lang="en-US" altLang="ko-KR" sz="1000" b="1" dirty="0">
+                <a:solidFill>
+                  <a:schemeClr val="bg1"/>
+                </a:solidFill>
+                <a:latin typeface="Arial" charset="0"/>
+                <a:ea typeface="Arial" charset="0"/>
+                <a:cs typeface="Arial" charset="0"/>
+              </a:rPr>
+              <a:t>, Korea</a:t>
+            </a:r>
+            <a:endParaRPr kumimoji="1" lang="ko-KR" altLang="en-US" sz="1000" b="1" dirty="0">
+              <a:solidFill>
+                <a:schemeClr val="bg1"/>
+              </a:solidFill>
+              <a:latin typeface="Arial" charset="0"/>
+              <a:ea typeface="Arial" charset="0"/>
+              <a:cs typeface="Arial" charset="0"/>
+            </a:endParaRPr>
+          </a:p>
+        </p:txBody>
+      </p:sp>
+      <p:pic>
+        <p:nvPicPr>
+          <p:cNvPr id="39" name="comsys_logo4"/>
+          <p:cNvPicPr>
+            <a:picLocks noChangeAspect="1"/>
+          </p:cNvPicPr>
+          <p:nvPr/>
+        </p:nvPicPr>
+        <p:blipFill>
+          <a:blip r:embed="rId4"/>
+          <a:stretch>
+            <a:fillRect/>
+          </a:stretch>
+        </p:blipFill>
+        <p:spPr>
+          <a:xfrm>
+            <a:off x="5030426" y="4470043"/>
+            <a:ext cx="1428979" cy="374056"/>
+          </a:xfrm>
+          <a:prstGeom prst="rect">
+            <a:avLst/>
+          </a:prstGeom>
+        </p:spPr>
+      </p:pic>
+      <p:sp>
+        <p:nvSpPr>
+          <p:cNvPr id="40" name="직사각형 39"/>
+          <p:cNvSpPr/>
+          <p:nvPr/>
+        </p:nvSpPr>
+        <p:spPr>
+          <a:xfrm>
+            <a:off x="4955915" y="4275272"/>
+            <a:ext cx="1298753" cy="261610"/>
+          </a:xfrm>
+          <a:prstGeom prst="rect">
+            <a:avLst/>
+          </a:prstGeom>
+        </p:spPr>
+        <p:txBody>
+          <a:bodyPr wrap="none">
+            <a:spAutoFit/>
+          </a:bodyPr>
+          <a:lstStyle/>
+          <a:p>
+            <a:r>
+              <a:rPr kumimoji="1" lang="en-US" altLang="ko-KR" sz="1050" b="1" dirty="0">
+                <a:latin typeface="+mj-ea"/>
+              </a:rPr>
+              <a:t>KIISE SIGFAST &amp;</a:t>
+            </a:r>
+            <a:endParaRPr lang="ko-KR" altLang="en-US" sz="1050" dirty="0"/>
+          </a:p>
+        </p:txBody>
+      </p:sp>
+      <p:pic>
+        <p:nvPicPr>
+          <p:cNvPr id="41" name="ksc_logo4"/>
+          <p:cNvPicPr>
+            <a:picLocks noChangeAspect="1"/>
+          </p:cNvPicPr>
+          <p:nvPr/>
+        </p:nvPicPr>
+        <p:blipFill>
+          <a:blip r:embed="rId5"/>
+          <a:stretch>
+            <a:fillRect/>
+          </a:stretch>
+        </p:blipFill>
+        <p:spPr>
+          <a:xfrm>
+            <a:off x="7539066" y="4318557"/>
+            <a:ext cx="1504454" cy="436649"/>
+          </a:xfrm>
+          <a:prstGeom prst="rect">
+            <a:avLst/>
+          </a:prstGeom>
+        </p:spPr>
+      </p:pic>
+      <p:sp>
+        <p:nvSpPr>
+          <p:cNvPr id="49" name="name1">
             <a:extLst>
               <a:ext uri="{FF2B5EF4-FFF2-40B4-BE49-F238E27FC236}">
-                <a16:creationId xmlns:a16="http://schemas.microsoft.com/office/drawing/2014/main" id="{F331BFE4-E38E-4CE0-BAF9-ADCF03322285}"/>
+                <a16:creationId xmlns:a16="http://schemas.microsoft.com/office/drawing/2014/main" id="{DEC5C273-FCA3-4BCC-9028-DCDFF5FBD08F}"/>
               </a:ext>
             </a:extLst>
           </p:cNvPr>
-          <p:cNvGrpSpPr/>
+          <p:cNvSpPr txBox="1"/>
           <p:nvPr/>
-        </p:nvGrpSpPr>
-        <p:grpSpPr>
+        </p:nvSpPr>
+        <p:spPr>
           <a:xfrm>
             <a:off x="816686" y="1707452"/>
-            <a:ext cx="8272627" cy="1071245"/>
-            <a:chOff x="3695110" y="1901567"/>
-            <a:chExt cx="8272627" cy="1071245"/>
-          </a:xfrm>
-        </p:grpSpPr>
-        <p:sp>
-          <p:nvSpPr>
-            <p:cNvPr id="49" name="텍스트 상자 50">
-              <a:extLst>
-                <a:ext uri="{FF2B5EF4-FFF2-40B4-BE49-F238E27FC236}">
-                  <a16:creationId xmlns:a16="http://schemas.microsoft.com/office/drawing/2014/main" id="{DEC5C273-FCA3-4BCC-9028-DCDFF5FBD08F}"/>
-                </a:ext>
-              </a:extLst>
-            </p:cNvPr>
-            <p:cNvSpPr txBox="1"/>
-            <p:nvPr/>
-          </p:nvSpPr>
-          <p:spPr>
-            <a:xfrm>
-              <a:off x="3695110" y="1901567"/>
-              <a:ext cx="4136313" cy="646331"/>
-            </a:xfrm>
-            <a:prstGeom prst="rect">
-              <a:avLst/>
-            </a:prstGeom>
-            <a:noFill/>
-          </p:spPr>
-          <p:txBody>
-            <a:bodyPr wrap="square" rtlCol="0">
-              <a:spAutoFit/>
-            </a:bodyPr>
-            <a:lstStyle/>
-            <a:p>
-              <a:pPr algn="ctr"/>
-              <a:r>
-                <a:rPr kumimoji="1" lang="en-US" altLang="ko-KR" sz="3600" dirty="0"/>
-                <a:t>Name1</a:t>
-              </a:r>
-              <a:endParaRPr kumimoji="1" lang="ko-KR" altLang="en-US" sz="3600" dirty="0"/>
-            </a:p>
-          </p:txBody>
-        </p:sp>
-        <p:sp>
-          <p:nvSpPr>
-            <p:cNvPr id="51" name="텍스트 상자 28">
-              <a:extLst>
-                <a:ext uri="{FF2B5EF4-FFF2-40B4-BE49-F238E27FC236}">
-                  <a16:creationId xmlns:a16="http://schemas.microsoft.com/office/drawing/2014/main" id="{3A19AB51-825C-42AB-BFB7-6056E2AA932D}"/>
-                </a:ext>
-              </a:extLst>
-            </p:cNvPr>
-            <p:cNvSpPr txBox="1"/>
-            <p:nvPr/>
-          </p:nvSpPr>
-          <p:spPr>
-            <a:xfrm>
-              <a:off x="3695110" y="2572702"/>
-              <a:ext cx="4133400" cy="400110"/>
-            </a:xfrm>
-            <a:prstGeom prst="rect">
-              <a:avLst/>
-            </a:prstGeom>
-            <a:noFill/>
-          </p:spPr>
-          <p:txBody>
-            <a:bodyPr wrap="square" rtlCol="0" anchor="ctr" anchorCtr="0">
-              <a:spAutoFit/>
-            </a:bodyPr>
-            <a:lstStyle/>
-            <a:p>
-              <a:pPr algn="ctr"/>
-              <a:r>
-                <a:rPr kumimoji="1" lang="en-US" altLang="ko-KR" sz="2000" dirty="0"/>
-                <a:t>Affliation1</a:t>
-              </a:r>
-              <a:endParaRPr kumimoji="1" lang="ko-KR" altLang="en-US" sz="2000" dirty="0"/>
-            </a:p>
-          </p:txBody>
-        </p:sp>
-        <p:sp>
-          <p:nvSpPr>
-            <p:cNvPr id="12" name="텍스트 상자 50">
-              <a:extLst>
-                <a:ext uri="{FF2B5EF4-FFF2-40B4-BE49-F238E27FC236}">
-                  <a16:creationId xmlns:a16="http://schemas.microsoft.com/office/drawing/2014/main" id="{4D107932-0856-9620-0651-C2129FAFEB38}"/>
-                </a:ext>
-              </a:extLst>
-            </p:cNvPr>
-            <p:cNvSpPr txBox="1"/>
-            <p:nvPr/>
-          </p:nvSpPr>
-          <p:spPr>
-            <a:xfrm>
-              <a:off x="7831424" y="1901567"/>
-              <a:ext cx="4136313" cy="646331"/>
-            </a:xfrm>
-            <a:prstGeom prst="rect">
-              <a:avLst/>
-            </a:prstGeom>
-            <a:noFill/>
-          </p:spPr>
-          <p:txBody>
-            <a:bodyPr wrap="square" rtlCol="0">
-              <a:spAutoFit/>
-            </a:bodyPr>
-            <a:lstStyle/>
-            <a:p>
-              <a:pPr algn="ctr"/>
-              <a:r>
-                <a:rPr kumimoji="1" lang="en-US" altLang="ko-KR" sz="3600" dirty="0"/>
-                <a:t>Name2</a:t>
-              </a:r>
-              <a:endParaRPr kumimoji="1" lang="ko-KR" altLang="en-US" sz="3600" dirty="0"/>
-            </a:p>
-          </p:txBody>
-        </p:sp>
-        <p:sp>
-          <p:nvSpPr>
-            <p:cNvPr id="13" name="텍스트 상자 28">
-              <a:extLst>
-                <a:ext uri="{FF2B5EF4-FFF2-40B4-BE49-F238E27FC236}">
-                  <a16:creationId xmlns:a16="http://schemas.microsoft.com/office/drawing/2014/main" id="{2681B153-F6BA-4DCC-E8DB-C863F4581EDC}"/>
-                </a:ext>
-              </a:extLst>
-            </p:cNvPr>
-            <p:cNvSpPr txBox="1"/>
-            <p:nvPr/>
-          </p:nvSpPr>
-          <p:spPr>
-            <a:xfrm>
-              <a:off x="7831424" y="2572702"/>
-              <a:ext cx="4133400" cy="400110"/>
-            </a:xfrm>
-            <a:prstGeom prst="rect">
-              <a:avLst/>
-            </a:prstGeom>
-            <a:noFill/>
-          </p:spPr>
-          <p:txBody>
-            <a:bodyPr wrap="square" rtlCol="0" anchor="ctr" anchorCtr="0">
-              <a:spAutoFit/>
-            </a:bodyPr>
-            <a:lstStyle/>
-            <a:p>
-              <a:pPr algn="ctr"/>
-              <a:r>
-                <a:rPr kumimoji="1" lang="en-US" altLang="ko-KR" sz="2000" dirty="0"/>
-                <a:t>Affliation2</a:t>
-              </a:r>
-              <a:endParaRPr kumimoji="1" lang="ko-KR" altLang="en-US" sz="2000" dirty="0"/>
-            </a:p>
-          </p:txBody>
-        </p:sp>
-      </p:grpSp>
-      <p:grpSp>
-        <p:nvGrpSpPr>
-          <p:cNvPr id="52" name="그룹 51">
+            <a:ext cx="4136313" cy="646331"/>
+          </a:xfrm>
+          <a:prstGeom prst="rect">
+            <a:avLst/>
+          </a:prstGeom>
+          <a:noFill/>
+        </p:spPr>
+        <p:txBody>
+          <a:bodyPr wrap="square" rtlCol="0">
+            <a:spAutoFit/>
+          </a:bodyPr>
+          <a:lstStyle/>
+          <a:p>
+            <a:pPr algn="ctr"/>
+            <a:r>
+              <a:rPr kumimoji="1" lang="en-US" altLang="ko-KR" sz="3600" dirty="0"/>
+              <a:t>Name1</a:t>
+            </a:r>
+            <a:endParaRPr kumimoji="1" lang="ko-KR" altLang="en-US" sz="3600" dirty="0"/>
+          </a:p>
+        </p:txBody>
+      </p:sp>
+      <p:sp>
+        <p:nvSpPr>
+          <p:cNvPr id="51" name="affiliation1">
             <a:extLst>
               <a:ext uri="{FF2B5EF4-FFF2-40B4-BE49-F238E27FC236}">
-                <a16:creationId xmlns:a16="http://schemas.microsoft.com/office/drawing/2014/main" id="{74865ABA-01A1-4212-AF05-A8E600CDBB51}"/>
+                <a16:creationId xmlns:a16="http://schemas.microsoft.com/office/drawing/2014/main" id="{3A19AB51-825C-42AB-BFB7-6056E2AA932D}"/>
               </a:ext>
             </a:extLst>
           </p:cNvPr>
-          <p:cNvGrpSpPr/>
+          <p:cNvSpPr txBox="1"/>
           <p:nvPr/>
-        </p:nvGrpSpPr>
-        <p:grpSpPr>
+        </p:nvSpPr>
+        <p:spPr>
+          <a:xfrm>
+            <a:off x="816686" y="2378587"/>
+            <a:ext cx="4133400" cy="400110"/>
+          </a:xfrm>
+          <a:prstGeom prst="rect">
+            <a:avLst/>
+          </a:prstGeom>
+          <a:noFill/>
+        </p:spPr>
+        <p:txBody>
+          <a:bodyPr wrap="square" rtlCol="0" anchor="ctr" anchorCtr="0">
+            <a:spAutoFit/>
+          </a:bodyPr>
+          <a:lstStyle/>
+          <a:p>
+            <a:pPr algn="ctr"/>
+            <a:r>
+              <a:rPr kumimoji="1" lang="en-US" altLang="ko-KR" sz="2000" dirty="0"/>
+              <a:t>Affiliation1</a:t>
+            </a:r>
+            <a:endParaRPr kumimoji="1" lang="ko-KR" altLang="en-US" sz="2000" dirty="0"/>
+          </a:p>
+        </p:txBody>
+      </p:sp>
+      <p:sp>
+        <p:nvSpPr>
+          <p:cNvPr id="12" name="name2">
+            <a:extLst>
+              <a:ext uri="{FF2B5EF4-FFF2-40B4-BE49-F238E27FC236}">
+                <a16:creationId xmlns:a16="http://schemas.microsoft.com/office/drawing/2014/main" id="{4D107932-0856-9620-0651-C2129FAFEB38}"/>
+              </a:ext>
+            </a:extLst>
+          </p:cNvPr>
+          <p:cNvSpPr txBox="1"/>
+          <p:nvPr/>
+        </p:nvSpPr>
+        <p:spPr>
+          <a:xfrm>
+            <a:off x="4953000" y="1707452"/>
+            <a:ext cx="4136313" cy="646331"/>
+          </a:xfrm>
+          <a:prstGeom prst="rect">
+            <a:avLst/>
+          </a:prstGeom>
+          <a:noFill/>
+        </p:spPr>
+        <p:txBody>
+          <a:bodyPr wrap="square" rtlCol="0">
+            <a:spAutoFit/>
+          </a:bodyPr>
+          <a:lstStyle/>
+          <a:p>
+            <a:pPr algn="ctr"/>
+            <a:r>
+              <a:rPr kumimoji="1" lang="en-US" altLang="ko-KR" sz="3600" dirty="0"/>
+              <a:t>Name2</a:t>
+            </a:r>
+            <a:endParaRPr kumimoji="1" lang="ko-KR" altLang="en-US" sz="3600" dirty="0"/>
+          </a:p>
+        </p:txBody>
+      </p:sp>
+      <p:sp>
+        <p:nvSpPr>
+          <p:cNvPr id="13" name="affiliation2">
+            <a:extLst>
+              <a:ext uri="{FF2B5EF4-FFF2-40B4-BE49-F238E27FC236}">
+                <a16:creationId xmlns:a16="http://schemas.microsoft.com/office/drawing/2014/main" id="{2681B153-F6BA-4DCC-E8DB-C863F4581EDC}"/>
+              </a:ext>
+            </a:extLst>
+          </p:cNvPr>
+          <p:cNvSpPr txBox="1"/>
+          <p:nvPr/>
+        </p:nvSpPr>
+        <p:spPr>
+          <a:xfrm>
+            <a:off x="4953000" y="2378587"/>
+            <a:ext cx="4133400" cy="400110"/>
+          </a:xfrm>
+          <a:prstGeom prst="rect">
+            <a:avLst/>
+          </a:prstGeom>
+          <a:noFill/>
+        </p:spPr>
+        <p:txBody>
+          <a:bodyPr wrap="square" rtlCol="0" anchor="ctr" anchorCtr="0">
+            <a:spAutoFit/>
+          </a:bodyPr>
+          <a:lstStyle/>
+          <a:p>
+            <a:pPr algn="ctr"/>
+            <a:r>
+              <a:rPr kumimoji="1" lang="en-US" altLang="ko-KR" sz="2000" dirty="0"/>
+              <a:t>Affiliation2</a:t>
+            </a:r>
+            <a:endParaRPr kumimoji="1" lang="ko-KR" altLang="en-US" sz="2000" dirty="0"/>
+          </a:p>
+        </p:txBody>
+      </p:sp>
+      <p:sp>
+        <p:nvSpPr>
+          <p:cNvPr id="53" name="name3">
+            <a:extLst>
+              <a:ext uri="{FF2B5EF4-FFF2-40B4-BE49-F238E27FC236}">
+                <a16:creationId xmlns:a16="http://schemas.microsoft.com/office/drawing/2014/main" id="{D49352EA-AEAE-454E-B4B7-80DCCF729CC5}"/>
+              </a:ext>
+            </a:extLst>
+          </p:cNvPr>
+          <p:cNvSpPr txBox="1"/>
+          <p:nvPr/>
+        </p:nvSpPr>
+        <p:spPr>
           <a:xfrm>
             <a:off x="816686" y="4921419"/>
-            <a:ext cx="8280001" cy="1071245"/>
-            <a:chOff x="3685527" y="1901567"/>
-            <a:chExt cx="8280001" cy="1071245"/>
-          </a:xfrm>
-        </p:grpSpPr>
-        <p:sp>
-          <p:nvSpPr>
-            <p:cNvPr id="53" name="텍스트 상자 50">
-              <a:extLst>
-                <a:ext uri="{FF2B5EF4-FFF2-40B4-BE49-F238E27FC236}">
-                  <a16:creationId xmlns:a16="http://schemas.microsoft.com/office/drawing/2014/main" id="{D49352EA-AEAE-454E-B4B7-80DCCF729CC5}"/>
-                </a:ext>
-              </a:extLst>
-            </p:cNvPr>
-            <p:cNvSpPr txBox="1"/>
-            <p:nvPr/>
-          </p:nvSpPr>
-          <p:spPr>
-            <a:xfrm>
-              <a:off x="3685527" y="1901567"/>
-              <a:ext cx="4140000" cy="646331"/>
-            </a:xfrm>
-            <a:prstGeom prst="rect">
-              <a:avLst/>
-            </a:prstGeom>
-            <a:noFill/>
-          </p:spPr>
-          <p:txBody>
-            <a:bodyPr wrap="square" rtlCol="0">
-              <a:spAutoFit/>
-            </a:bodyPr>
-            <a:lstStyle/>
-            <a:p>
-              <a:pPr algn="ctr"/>
-              <a:r>
-                <a:rPr kumimoji="1" lang="en-US" altLang="ko-KR" sz="3600" dirty="0"/>
-                <a:t>Name3</a:t>
-              </a:r>
-              <a:endParaRPr kumimoji="1" lang="ko-KR" altLang="en-US" sz="3600" dirty="0"/>
-            </a:p>
-          </p:txBody>
-        </p:sp>
-        <p:sp>
-          <p:nvSpPr>
-            <p:cNvPr id="55" name="텍스트 상자 28">
-              <a:extLst>
-                <a:ext uri="{FF2B5EF4-FFF2-40B4-BE49-F238E27FC236}">
-                  <a16:creationId xmlns:a16="http://schemas.microsoft.com/office/drawing/2014/main" id="{C3F569C1-CC4E-4A9D-9110-F93B198871F2}"/>
-                </a:ext>
-              </a:extLst>
-            </p:cNvPr>
-            <p:cNvSpPr txBox="1"/>
-            <p:nvPr/>
-          </p:nvSpPr>
-          <p:spPr>
-            <a:xfrm>
-              <a:off x="3685527" y="2572702"/>
-              <a:ext cx="4133400" cy="400110"/>
-            </a:xfrm>
-            <a:prstGeom prst="rect">
-              <a:avLst/>
-            </a:prstGeom>
-            <a:noFill/>
-          </p:spPr>
-          <p:txBody>
-            <a:bodyPr wrap="square" rtlCol="0">
-              <a:spAutoFit/>
-            </a:bodyPr>
-            <a:lstStyle/>
-            <a:p>
-              <a:pPr algn="ctr"/>
-              <a:r>
-                <a:rPr kumimoji="1" lang="en-US" altLang="ko-KR" sz="2000" dirty="0"/>
-                <a:t>Affliatoin3</a:t>
-              </a:r>
-              <a:endParaRPr kumimoji="1" lang="ko-KR" altLang="en-US" sz="2000" dirty="0"/>
-            </a:p>
-          </p:txBody>
-        </p:sp>
-        <p:sp>
-          <p:nvSpPr>
-            <p:cNvPr id="24" name="텍스트 상자 50">
-              <a:extLst>
-                <a:ext uri="{FF2B5EF4-FFF2-40B4-BE49-F238E27FC236}">
-                  <a16:creationId xmlns:a16="http://schemas.microsoft.com/office/drawing/2014/main" id="{5940BDA7-0F16-B494-6DF6-95E0F4847AD6}"/>
-                </a:ext>
-              </a:extLst>
-            </p:cNvPr>
-            <p:cNvSpPr txBox="1"/>
-            <p:nvPr/>
-          </p:nvSpPr>
-          <p:spPr>
-            <a:xfrm>
-              <a:off x="7825528" y="1901567"/>
-              <a:ext cx="4140000" cy="646331"/>
-            </a:xfrm>
-            <a:prstGeom prst="rect">
-              <a:avLst/>
-            </a:prstGeom>
-            <a:noFill/>
-          </p:spPr>
-          <p:txBody>
-            <a:bodyPr wrap="square" rtlCol="0">
-              <a:spAutoFit/>
-            </a:bodyPr>
-            <a:lstStyle/>
-            <a:p>
-              <a:pPr algn="ctr"/>
-              <a:r>
-                <a:rPr kumimoji="1" lang="en-US" altLang="ko-KR" sz="3600" dirty="0"/>
-                <a:t>Name4</a:t>
-              </a:r>
-              <a:endParaRPr kumimoji="1" lang="ko-KR" altLang="en-US" sz="3600" dirty="0"/>
-            </a:p>
-          </p:txBody>
-        </p:sp>
-        <p:sp>
-          <p:nvSpPr>
-            <p:cNvPr id="33" name="텍스트 상자 28">
-              <a:extLst>
-                <a:ext uri="{FF2B5EF4-FFF2-40B4-BE49-F238E27FC236}">
-                  <a16:creationId xmlns:a16="http://schemas.microsoft.com/office/drawing/2014/main" id="{5A0F0BA6-2D8C-59D8-CB63-022632A5DF34}"/>
-                </a:ext>
-              </a:extLst>
-            </p:cNvPr>
-            <p:cNvSpPr txBox="1"/>
-            <p:nvPr/>
-          </p:nvSpPr>
-          <p:spPr>
-            <a:xfrm>
-              <a:off x="7825528" y="2572702"/>
-              <a:ext cx="4133400" cy="400110"/>
-            </a:xfrm>
-            <a:prstGeom prst="rect">
-              <a:avLst/>
-            </a:prstGeom>
-            <a:noFill/>
-          </p:spPr>
-          <p:txBody>
-            <a:bodyPr wrap="square" rtlCol="0">
-              <a:spAutoFit/>
-            </a:bodyPr>
-            <a:lstStyle/>
-            <a:p>
-              <a:pPr algn="ctr"/>
-              <a:r>
-                <a:rPr kumimoji="1" lang="en-US" altLang="ko-KR" sz="2000" dirty="0"/>
-                <a:t>Affliatoin4</a:t>
-              </a:r>
-              <a:endParaRPr kumimoji="1" lang="ko-KR" altLang="en-US" sz="2000" dirty="0"/>
-            </a:p>
-          </p:txBody>
-        </p:sp>
-      </p:grpSp>
+            <a:ext cx="4140000" cy="646331"/>
+          </a:xfrm>
+          <a:prstGeom prst="rect">
+            <a:avLst/>
+          </a:prstGeom>
+          <a:noFill/>
+        </p:spPr>
+        <p:txBody>
+          <a:bodyPr wrap="square" rtlCol="0">
+            <a:spAutoFit/>
+          </a:bodyPr>
+          <a:lstStyle/>
+          <a:p>
+            <a:pPr algn="ctr"/>
+            <a:r>
+              <a:rPr kumimoji="1" lang="en-US" altLang="ko-KR" sz="3600" dirty="0"/>
+              <a:t>Name3</a:t>
+            </a:r>
+            <a:endParaRPr kumimoji="1" lang="ko-KR" altLang="en-US" sz="3600" dirty="0"/>
+          </a:p>
+        </p:txBody>
+      </p:sp>
+      <p:sp>
+        <p:nvSpPr>
+          <p:cNvPr id="55" name="affiliation3">
+            <a:extLst>
+              <a:ext uri="{FF2B5EF4-FFF2-40B4-BE49-F238E27FC236}">
+                <a16:creationId xmlns:a16="http://schemas.microsoft.com/office/drawing/2014/main" id="{C3F569C1-CC4E-4A9D-9110-F93B198871F2}"/>
+              </a:ext>
+            </a:extLst>
+          </p:cNvPr>
+          <p:cNvSpPr txBox="1"/>
+          <p:nvPr/>
+        </p:nvSpPr>
+        <p:spPr>
+          <a:xfrm>
+            <a:off x="816686" y="5592554"/>
+            <a:ext cx="4133400" cy="400110"/>
+          </a:xfrm>
+          <a:prstGeom prst="rect">
+            <a:avLst/>
+          </a:prstGeom>
+          <a:noFill/>
+        </p:spPr>
+        <p:txBody>
+          <a:bodyPr wrap="square" rtlCol="0">
+            <a:spAutoFit/>
+          </a:bodyPr>
+          <a:lstStyle/>
+          <a:p>
+            <a:pPr algn="ctr"/>
+            <a:r>
+              <a:rPr kumimoji="1" lang="en-US" altLang="ko-KR" sz="2000" dirty="0"/>
+              <a:t>Affiliation3</a:t>
+            </a:r>
+            <a:endParaRPr kumimoji="1" lang="ko-KR" altLang="en-US" sz="2000" dirty="0"/>
+          </a:p>
+        </p:txBody>
+      </p:sp>
+      <p:sp>
+        <p:nvSpPr>
+          <p:cNvPr id="24" name="name4">
+            <a:extLst>
+              <a:ext uri="{FF2B5EF4-FFF2-40B4-BE49-F238E27FC236}">
+                <a16:creationId xmlns:a16="http://schemas.microsoft.com/office/drawing/2014/main" id="{5940BDA7-0F16-B494-6DF6-95E0F4847AD6}"/>
+              </a:ext>
+            </a:extLst>
+          </p:cNvPr>
+          <p:cNvSpPr txBox="1"/>
+          <p:nvPr/>
+        </p:nvSpPr>
+        <p:spPr>
+          <a:xfrm>
+            <a:off x="4956687" y="4921419"/>
+            <a:ext cx="4140000" cy="646331"/>
+          </a:xfrm>
+          <a:prstGeom prst="rect">
+            <a:avLst/>
+          </a:prstGeom>
+          <a:noFill/>
+        </p:spPr>
+        <p:txBody>
+          <a:bodyPr wrap="square" rtlCol="0">
+            <a:spAutoFit/>
+          </a:bodyPr>
+          <a:lstStyle/>
+          <a:p>
+            <a:pPr algn="ctr"/>
+            <a:r>
+              <a:rPr kumimoji="1" lang="en-US" altLang="ko-KR" sz="3600" dirty="0"/>
+              <a:t>Name4</a:t>
+            </a:r>
+            <a:endParaRPr kumimoji="1" lang="ko-KR" altLang="en-US" sz="3600" dirty="0"/>
+          </a:p>
+        </p:txBody>
+      </p:sp>
+      <p:sp>
+        <p:nvSpPr>
+          <p:cNvPr id="33" name="affiliation4">
+            <a:extLst>
+              <a:ext uri="{FF2B5EF4-FFF2-40B4-BE49-F238E27FC236}">
+                <a16:creationId xmlns:a16="http://schemas.microsoft.com/office/drawing/2014/main" id="{5A0F0BA6-2D8C-59D8-CB63-022632A5DF34}"/>
+              </a:ext>
+            </a:extLst>
+          </p:cNvPr>
+          <p:cNvSpPr txBox="1"/>
+          <p:nvPr/>
+        </p:nvSpPr>
+        <p:spPr>
+          <a:xfrm>
+            <a:off x="4956687" y="5592554"/>
+            <a:ext cx="4133400" cy="400110"/>
+          </a:xfrm>
+          <a:prstGeom prst="rect">
+            <a:avLst/>
+          </a:prstGeom>
+          <a:noFill/>
+        </p:spPr>
+        <p:txBody>
+          <a:bodyPr wrap="square" rtlCol="0">
+            <a:spAutoFit/>
+          </a:bodyPr>
+          <a:lstStyle/>
+          <a:p>
+            <a:pPr algn="ctr"/>
+            <a:r>
+              <a:rPr kumimoji="1" lang="en-US" altLang="ko-KR" sz="2000" dirty="0"/>
+              <a:t>Affiliation4</a:t>
+            </a:r>
+            <a:endParaRPr kumimoji="1" lang="ko-KR" altLang="en-US" sz="2000" dirty="0"/>
+          </a:p>
+        </p:txBody>
+      </p:sp>
     </p:spTree>
     <p:extLst>
       <p:ext uri="{BB962C8B-B14F-4D97-AF65-F5344CB8AC3E}">

--- a/template.pptx
+++ b/template.pptx
@@ -208,7 +208,7 @@
           <a:p>
             <a:fld id="{9E89C4A8-DC1C-4AFC-9260-E953FDC4CEF3}" type="datetimeFigureOut">
               <a:rPr lang="ko-KR" altLang="en-US" smtClean="0"/>
-              <a:t>2023. 10. 17.</a:t>
+              <a:t>2024. 8. 2.</a:t>
             </a:fld>
             <a:endParaRPr lang="ko-KR" altLang="en-US"/>
           </a:p>
@@ -690,7 +690,7 @@
           <a:p>
             <a:fld id="{0A438C46-0BF0-AF42-9FD7-651246E16C9E}" type="datetimeFigureOut">
               <a:rPr kumimoji="1" lang="ko-KR" altLang="en-US" smtClean="0"/>
-              <a:t>2023. 10. 17.</a:t>
+              <a:t>2024. 8. 2.</a:t>
             </a:fld>
             <a:endParaRPr kumimoji="1" lang="ko-KR" altLang="en-US"/>
           </a:p>
@@ -855,7 +855,7 @@
           <a:p>
             <a:fld id="{0A438C46-0BF0-AF42-9FD7-651246E16C9E}" type="datetimeFigureOut">
               <a:rPr kumimoji="1" lang="ko-KR" altLang="en-US" smtClean="0"/>
-              <a:t>2023. 10. 17.</a:t>
+              <a:t>2024. 8. 2.</a:t>
             </a:fld>
             <a:endParaRPr kumimoji="1" lang="ko-KR" altLang="en-US"/>
           </a:p>
@@ -1030,7 +1030,7 @@
           <a:p>
             <a:fld id="{0A438C46-0BF0-AF42-9FD7-651246E16C9E}" type="datetimeFigureOut">
               <a:rPr kumimoji="1" lang="ko-KR" altLang="en-US" smtClean="0"/>
-              <a:t>2023. 10. 17.</a:t>
+              <a:t>2024. 8. 2.</a:t>
             </a:fld>
             <a:endParaRPr kumimoji="1" lang="ko-KR" altLang="en-US"/>
           </a:p>
@@ -1195,7 +1195,7 @@
           <a:p>
             <a:fld id="{0A438C46-0BF0-AF42-9FD7-651246E16C9E}" type="datetimeFigureOut">
               <a:rPr kumimoji="1" lang="ko-KR" altLang="en-US" smtClean="0"/>
-              <a:t>2023. 10. 17.</a:t>
+              <a:t>2024. 8. 2.</a:t>
             </a:fld>
             <a:endParaRPr kumimoji="1" lang="ko-KR" altLang="en-US"/>
           </a:p>
@@ -1434,7 +1434,7 @@
           <a:p>
             <a:fld id="{0A438C46-0BF0-AF42-9FD7-651246E16C9E}" type="datetimeFigureOut">
               <a:rPr kumimoji="1" lang="ko-KR" altLang="en-US" smtClean="0"/>
-              <a:t>2023. 10. 17.</a:t>
+              <a:t>2024. 8. 2.</a:t>
             </a:fld>
             <a:endParaRPr kumimoji="1" lang="ko-KR" altLang="en-US"/>
           </a:p>
@@ -1661,7 +1661,7 @@
           <a:p>
             <a:fld id="{0A438C46-0BF0-AF42-9FD7-651246E16C9E}" type="datetimeFigureOut">
               <a:rPr kumimoji="1" lang="ko-KR" altLang="en-US" smtClean="0"/>
-              <a:t>2023. 10. 17.</a:t>
+              <a:t>2024. 8. 2.</a:t>
             </a:fld>
             <a:endParaRPr kumimoji="1" lang="ko-KR" altLang="en-US"/>
           </a:p>
@@ -2023,7 +2023,7 @@
           <a:p>
             <a:fld id="{0A438C46-0BF0-AF42-9FD7-651246E16C9E}" type="datetimeFigureOut">
               <a:rPr kumimoji="1" lang="ko-KR" altLang="en-US" smtClean="0"/>
-              <a:t>2023. 10. 17.</a:t>
+              <a:t>2024. 8. 2.</a:t>
             </a:fld>
             <a:endParaRPr kumimoji="1" lang="ko-KR" altLang="en-US"/>
           </a:p>
@@ -2136,7 +2136,7 @@
           <a:p>
             <a:fld id="{0A438C46-0BF0-AF42-9FD7-651246E16C9E}" type="datetimeFigureOut">
               <a:rPr kumimoji="1" lang="ko-KR" altLang="en-US" smtClean="0"/>
-              <a:t>2023. 10. 17.</a:t>
+              <a:t>2024. 8. 2.</a:t>
             </a:fld>
             <a:endParaRPr kumimoji="1" lang="ko-KR" altLang="en-US"/>
           </a:p>
@@ -2226,7 +2226,7 @@
           <a:p>
             <a:fld id="{0A438C46-0BF0-AF42-9FD7-651246E16C9E}" type="datetimeFigureOut">
               <a:rPr kumimoji="1" lang="ko-KR" altLang="en-US" smtClean="0"/>
-              <a:t>2023. 10. 17.</a:t>
+              <a:t>2024. 8. 2.</a:t>
             </a:fld>
             <a:endParaRPr kumimoji="1" lang="ko-KR" altLang="en-US"/>
           </a:p>
@@ -2498,7 +2498,7 @@
           <a:p>
             <a:fld id="{0A438C46-0BF0-AF42-9FD7-651246E16C9E}" type="datetimeFigureOut">
               <a:rPr kumimoji="1" lang="ko-KR" altLang="en-US" smtClean="0"/>
-              <a:t>2023. 10. 17.</a:t>
+              <a:t>2024. 8. 2.</a:t>
             </a:fld>
             <a:endParaRPr kumimoji="1" lang="ko-KR" altLang="en-US"/>
           </a:p>
@@ -2750,7 +2750,7 @@
           <a:p>
             <a:fld id="{0A438C46-0BF0-AF42-9FD7-651246E16C9E}" type="datetimeFigureOut">
               <a:rPr kumimoji="1" lang="ko-KR" altLang="en-US" smtClean="0"/>
-              <a:t>2023. 10. 17.</a:t>
+              <a:t>2024. 8. 2.</a:t>
             </a:fld>
             <a:endParaRPr kumimoji="1" lang="ko-KR" altLang="en-US"/>
           </a:p>
@@ -2958,7 +2958,7 @@
           <a:p>
             <a:fld id="{0A438C46-0BF0-AF42-9FD7-651246E16C9E}" type="datetimeFigureOut">
               <a:rPr kumimoji="1" lang="ko-KR" altLang="en-US" smtClean="0"/>
-              <a:t>2023. 10. 17.</a:t>
+              <a:t>2024. 8. 2.</a:t>
             </a:fld>
             <a:endParaRPr kumimoji="1" lang="ko-KR" altLang="en-US"/>
           </a:p>
@@ -3508,6 +3508,17 @@
           <a:lstStyle/>
           <a:p>
             <a:r>
+              <a:rPr kumimoji="1" lang="en-US" altLang="ko-KR" b="1" dirty="0" err="1">
+                <a:solidFill>
+                  <a:schemeClr val="bg1"/>
+                </a:solidFill>
+                <a:latin typeface="Arial" charset="0"/>
+                <a:ea typeface="Arial" charset="0"/>
+                <a:cs typeface="Arial" charset="0"/>
+              </a:rPr>
+              <a:t>NVRAMOS</a:t>
+            </a:r>
+            <a:r>
               <a:rPr kumimoji="1" lang="en-US" altLang="ko-KR" b="1" dirty="0">
                 <a:solidFill>
                   <a:schemeClr val="bg1"/>
@@ -3516,7 +3527,7 @@
                 <a:ea typeface="Arial" charset="0"/>
                 <a:cs typeface="Arial" charset="0"/>
               </a:rPr>
-              <a:t>NVRAMOS 2023</a:t>
+              <a:t> 2024</a:t>
             </a:r>
           </a:p>
           <a:p>
@@ -3555,7 +3566,7 @@
                 <a:ea typeface="Arial" charset="0"/>
                 <a:cs typeface="Arial" charset="0"/>
               </a:rPr>
-              <a:t>Oct 19-21, 2023, </a:t>
+              <a:t>Oct 24-26, 2024, </a:t>
             </a:r>
             <a:r>
               <a:rPr kumimoji="1" lang="en-US" altLang="ko-KR" sz="1000" b="1" dirty="0" err="1">
@@ -3814,6 +3825,17 @@
           <a:lstStyle/>
           <a:p>
             <a:r>
+              <a:rPr kumimoji="1" lang="en-US" altLang="ko-KR" b="1" dirty="0" err="1">
+                <a:solidFill>
+                  <a:schemeClr val="bg1"/>
+                </a:solidFill>
+                <a:latin typeface="Arial" charset="0"/>
+                <a:ea typeface="Arial" charset="0"/>
+                <a:cs typeface="Arial" charset="0"/>
+              </a:rPr>
+              <a:t>NVRAMOS</a:t>
+            </a:r>
+            <a:r>
               <a:rPr kumimoji="1" lang="en-US" altLang="ko-KR" b="1" dirty="0">
                 <a:solidFill>
                   <a:schemeClr val="bg1"/>
@@ -3822,7 +3844,7 @@
                 <a:ea typeface="Arial" charset="0"/>
                 <a:cs typeface="Arial" charset="0"/>
               </a:rPr>
-              <a:t>NVRAMOS 2023</a:t>
+              <a:t> 2024</a:t>
             </a:r>
           </a:p>
           <a:p>
@@ -3907,7 +3929,7 @@
                 <a:ea typeface="Arial" charset="0"/>
                 <a:cs typeface="Arial" charset="0"/>
               </a:rPr>
-              <a:t>Oct 19-21, 2023, </a:t>
+              <a:t>Oct 24-26, 2024, </a:t>
             </a:r>
             <a:r>
               <a:rPr kumimoji="1" lang="en-US" altLang="ko-KR" sz="1000" b="1" dirty="0" err="1">
@@ -4225,7 +4247,7 @@
                 <a:ea typeface="Arial" charset="0"/>
                 <a:cs typeface="Arial" charset="0"/>
               </a:rPr>
-              <a:t>2023</a:t>
+              <a:t>2024</a:t>
             </a:r>
             <a:endParaRPr kumimoji="1" lang="en-US" altLang="ko-KR" sz="1800" b="1" i="0" u="none" strike="noStrike" kern="1200" cap="none" spc="0" normalizeH="0" baseline="0" noProof="0" dirty="0">
               <a:ln>
@@ -4324,7 +4346,7 @@
                 <a:ea typeface="Arial" charset="0"/>
                 <a:cs typeface="Arial" charset="0"/>
               </a:rPr>
-              <a:t>Oct 19-21, 2023, </a:t>
+              <a:t>Oct 24-26, 2024, </a:t>
             </a:r>
             <a:r>
               <a:rPr kumimoji="1" lang="en-US" altLang="ko-KR" sz="1000" b="1" dirty="0" err="1">
@@ -4642,7 +4664,7 @@
                 <a:ea typeface="Arial" charset="0"/>
                 <a:cs typeface="Arial" charset="0"/>
               </a:rPr>
-              <a:t>2023</a:t>
+              <a:t>2024</a:t>
             </a:r>
             <a:endParaRPr kumimoji="1" lang="en-US" altLang="ko-KR" sz="1800" b="1" i="0" u="none" strike="noStrike" kern="1200" cap="none" spc="0" normalizeH="0" baseline="0" noProof="0" dirty="0">
               <a:ln>
@@ -4741,7 +4763,7 @@
                 <a:ea typeface="Arial" charset="0"/>
                 <a:cs typeface="Arial" charset="0"/>
               </a:rPr>
-              <a:t>Oct 19-21, 2023, </a:t>
+              <a:t>Oct 24-26, 2024, </a:t>
             </a:r>
             <a:r>
               <a:rPr kumimoji="1" lang="en-US" altLang="ko-KR" sz="1000" b="1" dirty="0" err="1">

--- a/template.pptx
+++ b/template.pptx
@@ -208,7 +208,7 @@
           <a:p>
             <a:fld id="{9E89C4A8-DC1C-4AFC-9260-E953FDC4CEF3}" type="datetimeFigureOut">
               <a:rPr lang="ko-KR" altLang="en-US" smtClean="0"/>
-              <a:t>2024. 8. 2.</a:t>
+              <a:t>2025. 10. 21.</a:t>
             </a:fld>
             <a:endParaRPr lang="ko-KR" altLang="en-US"/>
           </a:p>
@@ -690,7 +690,7 @@
           <a:p>
             <a:fld id="{0A438C46-0BF0-AF42-9FD7-651246E16C9E}" type="datetimeFigureOut">
               <a:rPr kumimoji="1" lang="ko-KR" altLang="en-US" smtClean="0"/>
-              <a:t>2024. 8. 2.</a:t>
+              <a:t>2025. 10. 21.</a:t>
             </a:fld>
             <a:endParaRPr kumimoji="1" lang="ko-KR" altLang="en-US"/>
           </a:p>
@@ -855,7 +855,7 @@
           <a:p>
             <a:fld id="{0A438C46-0BF0-AF42-9FD7-651246E16C9E}" type="datetimeFigureOut">
               <a:rPr kumimoji="1" lang="ko-KR" altLang="en-US" smtClean="0"/>
-              <a:t>2024. 8. 2.</a:t>
+              <a:t>2025. 10. 21.</a:t>
             </a:fld>
             <a:endParaRPr kumimoji="1" lang="ko-KR" altLang="en-US"/>
           </a:p>
@@ -1030,7 +1030,7 @@
           <a:p>
             <a:fld id="{0A438C46-0BF0-AF42-9FD7-651246E16C9E}" type="datetimeFigureOut">
               <a:rPr kumimoji="1" lang="ko-KR" altLang="en-US" smtClean="0"/>
-              <a:t>2024. 8. 2.</a:t>
+              <a:t>2025. 10. 21.</a:t>
             </a:fld>
             <a:endParaRPr kumimoji="1" lang="ko-KR" altLang="en-US"/>
           </a:p>
@@ -1195,7 +1195,7 @@
           <a:p>
             <a:fld id="{0A438C46-0BF0-AF42-9FD7-651246E16C9E}" type="datetimeFigureOut">
               <a:rPr kumimoji="1" lang="ko-KR" altLang="en-US" smtClean="0"/>
-              <a:t>2024. 8. 2.</a:t>
+              <a:t>2025. 10. 21.</a:t>
             </a:fld>
             <a:endParaRPr kumimoji="1" lang="ko-KR" altLang="en-US"/>
           </a:p>
@@ -1434,7 +1434,7 @@
           <a:p>
             <a:fld id="{0A438C46-0BF0-AF42-9FD7-651246E16C9E}" type="datetimeFigureOut">
               <a:rPr kumimoji="1" lang="ko-KR" altLang="en-US" smtClean="0"/>
-              <a:t>2024. 8. 2.</a:t>
+              <a:t>2025. 10. 21.</a:t>
             </a:fld>
             <a:endParaRPr kumimoji="1" lang="ko-KR" altLang="en-US"/>
           </a:p>
@@ -1661,7 +1661,7 @@
           <a:p>
             <a:fld id="{0A438C46-0BF0-AF42-9FD7-651246E16C9E}" type="datetimeFigureOut">
               <a:rPr kumimoji="1" lang="ko-KR" altLang="en-US" smtClean="0"/>
-              <a:t>2024. 8. 2.</a:t>
+              <a:t>2025. 10. 21.</a:t>
             </a:fld>
             <a:endParaRPr kumimoji="1" lang="ko-KR" altLang="en-US"/>
           </a:p>
@@ -2023,7 +2023,7 @@
           <a:p>
             <a:fld id="{0A438C46-0BF0-AF42-9FD7-651246E16C9E}" type="datetimeFigureOut">
               <a:rPr kumimoji="1" lang="ko-KR" altLang="en-US" smtClean="0"/>
-              <a:t>2024. 8. 2.</a:t>
+              <a:t>2025. 10. 21.</a:t>
             </a:fld>
             <a:endParaRPr kumimoji="1" lang="ko-KR" altLang="en-US"/>
           </a:p>
@@ -2136,7 +2136,7 @@
           <a:p>
             <a:fld id="{0A438C46-0BF0-AF42-9FD7-651246E16C9E}" type="datetimeFigureOut">
               <a:rPr kumimoji="1" lang="ko-KR" altLang="en-US" smtClean="0"/>
-              <a:t>2024. 8. 2.</a:t>
+              <a:t>2025. 10. 21.</a:t>
             </a:fld>
             <a:endParaRPr kumimoji="1" lang="ko-KR" altLang="en-US"/>
           </a:p>
@@ -2226,7 +2226,7 @@
           <a:p>
             <a:fld id="{0A438C46-0BF0-AF42-9FD7-651246E16C9E}" type="datetimeFigureOut">
               <a:rPr kumimoji="1" lang="ko-KR" altLang="en-US" smtClean="0"/>
-              <a:t>2024. 8. 2.</a:t>
+              <a:t>2025. 10. 21.</a:t>
             </a:fld>
             <a:endParaRPr kumimoji="1" lang="ko-KR" altLang="en-US"/>
           </a:p>
@@ -2498,7 +2498,7 @@
           <a:p>
             <a:fld id="{0A438C46-0BF0-AF42-9FD7-651246E16C9E}" type="datetimeFigureOut">
               <a:rPr kumimoji="1" lang="ko-KR" altLang="en-US" smtClean="0"/>
-              <a:t>2024. 8. 2.</a:t>
+              <a:t>2025. 10. 21.</a:t>
             </a:fld>
             <a:endParaRPr kumimoji="1" lang="ko-KR" altLang="en-US"/>
           </a:p>
@@ -2750,7 +2750,7 @@
           <a:p>
             <a:fld id="{0A438C46-0BF0-AF42-9FD7-651246E16C9E}" type="datetimeFigureOut">
               <a:rPr kumimoji="1" lang="ko-KR" altLang="en-US" smtClean="0"/>
-              <a:t>2024. 8. 2.</a:t>
+              <a:t>2025. 10. 21.</a:t>
             </a:fld>
             <a:endParaRPr kumimoji="1" lang="ko-KR" altLang="en-US"/>
           </a:p>
@@ -2958,7 +2958,7 @@
           <a:p>
             <a:fld id="{0A438C46-0BF0-AF42-9FD7-651246E16C9E}" type="datetimeFigureOut">
               <a:rPr kumimoji="1" lang="ko-KR" altLang="en-US" smtClean="0"/>
-              <a:t>2024. 8. 2.</a:t>
+              <a:t>2025. 10. 21.</a:t>
             </a:fld>
             <a:endParaRPr kumimoji="1" lang="ko-KR" altLang="en-US"/>
           </a:p>
@@ -3508,17 +3508,6 @@
           <a:lstStyle/>
           <a:p>
             <a:r>
-              <a:rPr kumimoji="1" lang="en-US" altLang="ko-KR" b="1" dirty="0" err="1">
-                <a:solidFill>
-                  <a:schemeClr val="bg1"/>
-                </a:solidFill>
-                <a:latin typeface="Arial" charset="0"/>
-                <a:ea typeface="Arial" charset="0"/>
-                <a:cs typeface="Arial" charset="0"/>
-              </a:rPr>
-              <a:t>NVRAMOS</a:t>
-            </a:r>
-            <a:r>
               <a:rPr kumimoji="1" lang="en-US" altLang="ko-KR" b="1" dirty="0">
                 <a:solidFill>
                   <a:schemeClr val="bg1"/>
@@ -3527,7 +3516,7 @@
                 <a:ea typeface="Arial" charset="0"/>
                 <a:cs typeface="Arial" charset="0"/>
               </a:rPr>
-              <a:t> 2024</a:t>
+              <a:t>NVRAMOS 2025</a:t>
             </a:r>
           </a:p>
           <a:p>
@@ -3566,29 +3555,7 @@
                 <a:ea typeface="Arial" charset="0"/>
                 <a:cs typeface="Arial" charset="0"/>
               </a:rPr>
-              <a:t>Oct 24-26, 2024, </a:t>
-            </a:r>
-            <a:r>
-              <a:rPr kumimoji="1" lang="en-US" altLang="ko-KR" sz="1000" b="1" dirty="0" err="1">
-                <a:solidFill>
-                  <a:schemeClr val="bg1"/>
-                </a:solidFill>
-                <a:latin typeface="Arial" charset="0"/>
-                <a:ea typeface="Arial" charset="0"/>
-                <a:cs typeface="Arial" charset="0"/>
-              </a:rPr>
-              <a:t>Jeju</a:t>
-            </a:r>
-            <a:r>
-              <a:rPr kumimoji="1" lang="en-US" altLang="ko-KR" sz="1000" b="1" dirty="0">
-                <a:solidFill>
-                  <a:schemeClr val="bg1"/>
-                </a:solidFill>
-                <a:latin typeface="Arial" charset="0"/>
-                <a:ea typeface="Arial" charset="0"/>
-                <a:cs typeface="Arial" charset="0"/>
-              </a:rPr>
-              <a:t>, Korea</a:t>
+              <a:t>Oct 23-25, 2025, Jeju, Korea</a:t>
             </a:r>
             <a:endParaRPr kumimoji="1" lang="ko-KR" altLang="en-US" sz="1000" b="1" dirty="0">
               <a:solidFill>
@@ -3825,17 +3792,6 @@
           <a:lstStyle/>
           <a:p>
             <a:r>
-              <a:rPr kumimoji="1" lang="en-US" altLang="ko-KR" b="1" dirty="0" err="1">
-                <a:solidFill>
-                  <a:schemeClr val="bg1"/>
-                </a:solidFill>
-                <a:latin typeface="Arial" charset="0"/>
-                <a:ea typeface="Arial" charset="0"/>
-                <a:cs typeface="Arial" charset="0"/>
-              </a:rPr>
-              <a:t>NVRAMOS</a:t>
-            </a:r>
-            <a:r>
               <a:rPr kumimoji="1" lang="en-US" altLang="ko-KR" b="1" dirty="0">
                 <a:solidFill>
                   <a:schemeClr val="bg1"/>
@@ -3844,7 +3800,7 @@
                 <a:ea typeface="Arial" charset="0"/>
                 <a:cs typeface="Arial" charset="0"/>
               </a:rPr>
-              <a:t> 2024</a:t>
+              <a:t>NVRAMOS 2025</a:t>
             </a:r>
           </a:p>
           <a:p>
@@ -3929,29 +3885,7 @@
                 <a:ea typeface="Arial" charset="0"/>
                 <a:cs typeface="Arial" charset="0"/>
               </a:rPr>
-              <a:t>Oct 24-26, 2024, </a:t>
-            </a:r>
-            <a:r>
-              <a:rPr kumimoji="1" lang="en-US" altLang="ko-KR" sz="1000" b="1" dirty="0" err="1">
-                <a:solidFill>
-                  <a:schemeClr val="bg1"/>
-                </a:solidFill>
-                <a:latin typeface="Arial" charset="0"/>
-                <a:ea typeface="Arial" charset="0"/>
-                <a:cs typeface="Arial" charset="0"/>
-              </a:rPr>
-              <a:t>Jeju</a:t>
-            </a:r>
-            <a:r>
-              <a:rPr kumimoji="1" lang="en-US" altLang="ko-KR" sz="1000" b="1" dirty="0">
-                <a:solidFill>
-                  <a:schemeClr val="bg1"/>
-                </a:solidFill>
-                <a:latin typeface="Arial" charset="0"/>
-                <a:ea typeface="Arial" charset="0"/>
-                <a:cs typeface="Arial" charset="0"/>
-              </a:rPr>
-              <a:t>, Korea</a:t>
+              <a:t>Oct 23-25, 2025, Jeju, Korea</a:t>
             </a:r>
             <a:endParaRPr kumimoji="1" lang="ko-KR" altLang="en-US" sz="1000" b="1" dirty="0">
               <a:solidFill>
@@ -4205,23 +4139,6 @@
               <a:defRPr/>
             </a:pPr>
             <a:r>
-              <a:rPr kumimoji="1" lang="en-US" altLang="ko-KR" sz="1800" b="1" i="0" u="none" strike="noStrike" kern="1200" cap="none" spc="0" normalizeH="0" baseline="0" noProof="0" dirty="0" err="1">
-                <a:ln>
-                  <a:noFill/>
-                </a:ln>
-                <a:solidFill>
-                  <a:prstClr val="white"/>
-                </a:solidFill>
-                <a:effectLst/>
-                <a:uLnTx/>
-                <a:uFillTx/>
-                <a:latin typeface="Arial" charset="0"/>
-                <a:ea typeface="Arial" charset="0"/>
-                <a:cs typeface="Arial" charset="0"/>
-              </a:rPr>
-              <a:t>NVRAMOS</a:t>
-            </a:r>
-            <a:r>
               <a:rPr kumimoji="1" lang="en-US" altLang="ko-KR" sz="1800" b="1" i="0" u="none" strike="noStrike" kern="1200" cap="none" spc="0" normalizeH="0" baseline="0" noProof="0" dirty="0">
                 <a:ln>
                   <a:noFill/>
@@ -4236,7 +4153,7 @@
                 <a:ea typeface="Arial" charset="0"/>
                 <a:cs typeface="Arial" charset="0"/>
               </a:rPr>
-              <a:t> </a:t>
+              <a:t>NVRAMOS </a:t>
             </a:r>
             <a:r>
               <a:rPr kumimoji="1" lang="en-US" altLang="ko-KR" b="1" dirty="0">
@@ -4247,7 +4164,7 @@
                 <a:ea typeface="Arial" charset="0"/>
                 <a:cs typeface="Arial" charset="0"/>
               </a:rPr>
-              <a:t>2024</a:t>
+              <a:t>2025</a:t>
             </a:r>
             <a:endParaRPr kumimoji="1" lang="en-US" altLang="ko-KR" sz="1800" b="1" i="0" u="none" strike="noStrike" kern="1200" cap="none" spc="0" normalizeH="0" baseline="0" noProof="0" dirty="0">
               <a:ln>
@@ -4346,29 +4263,7 @@
                 <a:ea typeface="Arial" charset="0"/>
                 <a:cs typeface="Arial" charset="0"/>
               </a:rPr>
-              <a:t>Oct 24-26, 2024, </a:t>
-            </a:r>
-            <a:r>
-              <a:rPr kumimoji="1" lang="en-US" altLang="ko-KR" sz="1000" b="1" dirty="0" err="1">
-                <a:solidFill>
-                  <a:schemeClr val="bg1"/>
-                </a:solidFill>
-                <a:latin typeface="Arial" charset="0"/>
-                <a:ea typeface="Arial" charset="0"/>
-                <a:cs typeface="Arial" charset="0"/>
-              </a:rPr>
-              <a:t>Jeju</a:t>
-            </a:r>
-            <a:r>
-              <a:rPr kumimoji="1" lang="en-US" altLang="ko-KR" sz="1000" b="1" dirty="0">
-                <a:solidFill>
-                  <a:schemeClr val="bg1"/>
-                </a:solidFill>
-                <a:latin typeface="Arial" charset="0"/>
-                <a:ea typeface="Arial" charset="0"/>
-                <a:cs typeface="Arial" charset="0"/>
-              </a:rPr>
-              <a:t>, Korea</a:t>
+              <a:t>Oct 23-25, 2025, Jeju, Korea</a:t>
             </a:r>
             <a:endParaRPr kumimoji="1" lang="ko-KR" altLang="en-US" sz="1000" b="1" dirty="0">
               <a:solidFill>
@@ -4622,23 +4517,6 @@
               <a:defRPr/>
             </a:pPr>
             <a:r>
-              <a:rPr kumimoji="1" lang="en-US" altLang="ko-KR" sz="1800" b="1" i="0" u="none" strike="noStrike" kern="1200" cap="none" spc="0" normalizeH="0" baseline="0" noProof="0" dirty="0" err="1">
-                <a:ln>
-                  <a:noFill/>
-                </a:ln>
-                <a:solidFill>
-                  <a:prstClr val="white"/>
-                </a:solidFill>
-                <a:effectLst/>
-                <a:uLnTx/>
-                <a:uFillTx/>
-                <a:latin typeface="Arial" charset="0"/>
-                <a:ea typeface="Arial" charset="0"/>
-                <a:cs typeface="Arial" charset="0"/>
-              </a:rPr>
-              <a:t>NVRAMOS</a:t>
-            </a:r>
-            <a:r>
               <a:rPr kumimoji="1" lang="en-US" altLang="ko-KR" sz="1800" b="1" i="0" u="none" strike="noStrike" kern="1200" cap="none" spc="0" normalizeH="0" baseline="0" noProof="0" dirty="0">
                 <a:ln>
                   <a:noFill/>
@@ -4653,7 +4531,7 @@
                 <a:ea typeface="Arial" charset="0"/>
                 <a:cs typeface="Arial" charset="0"/>
               </a:rPr>
-              <a:t> </a:t>
+              <a:t>NVRAMOS </a:t>
             </a:r>
             <a:r>
               <a:rPr kumimoji="1" lang="en-US" altLang="ko-KR" b="1" dirty="0">
@@ -4664,7 +4542,7 @@
                 <a:ea typeface="Arial" charset="0"/>
                 <a:cs typeface="Arial" charset="0"/>
               </a:rPr>
-              <a:t>2024</a:t>
+              <a:t>2025</a:t>
             </a:r>
             <a:endParaRPr kumimoji="1" lang="en-US" altLang="ko-KR" sz="1800" b="1" i="0" u="none" strike="noStrike" kern="1200" cap="none" spc="0" normalizeH="0" baseline="0" noProof="0" dirty="0">
               <a:ln>
@@ -4755,7 +4633,7 @@
           </a:p>
           <a:p>
             <a:r>
-              <a:rPr kumimoji="1" lang="en-US" altLang="ko-KR" sz="1000" b="1" dirty="0">
+              <a:rPr kumimoji="1" lang="en-US" altLang="ko-KR" sz="1000" b="1">
                 <a:solidFill>
                   <a:schemeClr val="bg1"/>
                 </a:solidFill>
@@ -4763,7 +4641,7 @@
                 <a:ea typeface="Arial" charset="0"/>
                 <a:cs typeface="Arial" charset="0"/>
               </a:rPr>
-              <a:t>Oct 24-26, 2024, </a:t>
+              <a:t>Oct 23-25, 2025, </a:t>
             </a:r>
             <a:r>
               <a:rPr kumimoji="1" lang="en-US" altLang="ko-KR" sz="1000" b="1" dirty="0" err="1">
